--- a/3_Markers Design/Aruco Markers Testing.pptx
+++ b/3_Markers Design/Aruco Markers Testing.pptx
@@ -9,10 +9,10 @@
     <p:sldId id="258" r:id="rId3"/>
     <p:sldId id="259" r:id="rId4"/>
     <p:sldId id="260" r:id="rId5"/>
-    <p:sldId id="261" r:id="rId6"/>
+    <p:sldId id="262" r:id="rId6"/>
   </p:sldIdLst>
   <p:sldSz cx="12192000" cy="6858000"/>
-  <p:notesSz cx="6858000" cy="9144000"/>
+  <p:notesSz cx="6889750" cy="10021888"/>
   <p:defaultTextStyle>
     <a:defPPr>
       <a:defRPr lang="en-US"/>
@@ -546,7 +546,7 @@
           <a:p>
             <a:fld id="{671E18D5-AE65-4632-BFBD-AD282067D837}" type="datetimeFigureOut">
               <a:rPr lang="en-GB" smtClean="0"/>
-              <a:t>20/04/2023</a:t>
+              <a:t>03/05/2023</a:t>
             </a:fld>
             <a:endParaRPr lang="en-GB"/>
           </a:p>
@@ -746,7 +746,7 @@
           <a:p>
             <a:fld id="{671E18D5-AE65-4632-BFBD-AD282067D837}" type="datetimeFigureOut">
               <a:rPr lang="en-GB" smtClean="0"/>
-              <a:t>20/04/2023</a:t>
+              <a:t>03/05/2023</a:t>
             </a:fld>
             <a:endParaRPr lang="en-GB"/>
           </a:p>
@@ -956,7 +956,7 @@
           <a:p>
             <a:fld id="{671E18D5-AE65-4632-BFBD-AD282067D837}" type="datetimeFigureOut">
               <a:rPr lang="en-GB" smtClean="0"/>
-              <a:t>20/04/2023</a:t>
+              <a:t>03/05/2023</a:t>
             </a:fld>
             <a:endParaRPr lang="en-GB"/>
           </a:p>
@@ -1156,7 +1156,7 @@
           <a:p>
             <a:fld id="{671E18D5-AE65-4632-BFBD-AD282067D837}" type="datetimeFigureOut">
               <a:rPr lang="en-GB" smtClean="0"/>
-              <a:t>20/04/2023</a:t>
+              <a:t>03/05/2023</a:t>
             </a:fld>
             <a:endParaRPr lang="en-GB"/>
           </a:p>
@@ -1432,7 +1432,7 @@
           <a:p>
             <a:fld id="{671E18D5-AE65-4632-BFBD-AD282067D837}" type="datetimeFigureOut">
               <a:rPr lang="en-GB" smtClean="0"/>
-              <a:t>20/04/2023</a:t>
+              <a:t>03/05/2023</a:t>
             </a:fld>
             <a:endParaRPr lang="en-GB"/>
           </a:p>
@@ -1700,7 +1700,7 @@
           <a:p>
             <a:fld id="{671E18D5-AE65-4632-BFBD-AD282067D837}" type="datetimeFigureOut">
               <a:rPr lang="en-GB" smtClean="0"/>
-              <a:t>20/04/2023</a:t>
+              <a:t>03/05/2023</a:t>
             </a:fld>
             <a:endParaRPr lang="en-GB"/>
           </a:p>
@@ -2115,7 +2115,7 @@
           <a:p>
             <a:fld id="{671E18D5-AE65-4632-BFBD-AD282067D837}" type="datetimeFigureOut">
               <a:rPr lang="en-GB" smtClean="0"/>
-              <a:t>20/04/2023</a:t>
+              <a:t>03/05/2023</a:t>
             </a:fld>
             <a:endParaRPr lang="en-GB"/>
           </a:p>
@@ -2257,7 +2257,7 @@
           <a:p>
             <a:fld id="{671E18D5-AE65-4632-BFBD-AD282067D837}" type="datetimeFigureOut">
               <a:rPr lang="en-GB" smtClean="0"/>
-              <a:t>20/04/2023</a:t>
+              <a:t>03/05/2023</a:t>
             </a:fld>
             <a:endParaRPr lang="en-GB"/>
           </a:p>
@@ -2370,7 +2370,7 @@
           <a:p>
             <a:fld id="{671E18D5-AE65-4632-BFBD-AD282067D837}" type="datetimeFigureOut">
               <a:rPr lang="en-GB" smtClean="0"/>
-              <a:t>20/04/2023</a:t>
+              <a:t>03/05/2023</a:t>
             </a:fld>
             <a:endParaRPr lang="en-GB"/>
           </a:p>
@@ -2683,7 +2683,7 @@
           <a:p>
             <a:fld id="{671E18D5-AE65-4632-BFBD-AD282067D837}" type="datetimeFigureOut">
               <a:rPr lang="en-GB" smtClean="0"/>
-              <a:t>20/04/2023</a:t>
+              <a:t>03/05/2023</a:t>
             </a:fld>
             <a:endParaRPr lang="en-GB"/>
           </a:p>
@@ -2972,7 +2972,7 @@
           <a:p>
             <a:fld id="{671E18D5-AE65-4632-BFBD-AD282067D837}" type="datetimeFigureOut">
               <a:rPr lang="en-GB" smtClean="0"/>
-              <a:t>20/04/2023</a:t>
+              <a:t>03/05/2023</a:t>
             </a:fld>
             <a:endParaRPr lang="en-GB"/>
           </a:p>
@@ -3215,7 +3215,7 @@
           <a:p>
             <a:fld id="{671E18D5-AE65-4632-BFBD-AD282067D837}" type="datetimeFigureOut">
               <a:rPr lang="en-GB" smtClean="0"/>
-              <a:t>20/04/2023</a:t>
+              <a:t>03/05/2023</a:t>
             </a:fld>
             <a:endParaRPr lang="en-GB"/>
           </a:p>
@@ -3974,40 +3974,550 @@
           <a:chExt cx="0" cy="0"/>
         </a:xfrm>
       </p:grpSpPr>
-      <p:pic>
-        <p:nvPicPr>
-          <p:cNvPr id="5" name="Picture 4">
-            <a:extLst>
-              <a:ext uri="{FF2B5EF4-FFF2-40B4-BE49-F238E27FC236}">
-                <a16:creationId xmlns:a16="http://schemas.microsoft.com/office/drawing/2014/main" id="{9CC5D514-E68B-2469-F818-763E23E3F42F}"/>
-              </a:ext>
-            </a:extLst>
-          </p:cNvPr>
-          <p:cNvPicPr>
-            <a:picLocks noChangeAspect="1"/>
-          </p:cNvPicPr>
+      <p:grpSp>
+        <p:nvGrpSpPr>
+          <p:cNvPr id="2" name="Group 1">
+            <a:extLst>
+              <a:ext uri="{FF2B5EF4-FFF2-40B4-BE49-F238E27FC236}">
+                <a16:creationId xmlns:a16="http://schemas.microsoft.com/office/drawing/2014/main" id="{CBE7CC90-5352-2D21-CF10-E0C3E2A781F4}"/>
+              </a:ext>
+            </a:extLst>
+          </p:cNvPr>
+          <p:cNvGrpSpPr/>
           <p:nvPr/>
-        </p:nvPicPr>
-        <p:blipFill>
-          <a:blip r:embed="rId2"/>
-          <a:stretch>
-            <a:fillRect/>
-          </a:stretch>
-        </p:blipFill>
-        <p:spPr>
+        </p:nvGrpSpPr>
+        <p:grpSpPr>
           <a:xfrm>
-            <a:off x="765348" y="1386663"/>
-            <a:ext cx="10661304" cy="4084674"/>
+            <a:off x="2740029" y="1128179"/>
+            <a:ext cx="2160000" cy="2160000"/>
+            <a:chOff x="2740029" y="1128179"/>
+            <a:chExt cx="2160000" cy="2160000"/>
           </a:xfrm>
-          <a:prstGeom prst="rect">
-            <a:avLst/>
-          </a:prstGeom>
-        </p:spPr>
-      </p:pic>
+        </p:grpSpPr>
+        <p:sp>
+          <p:nvSpPr>
+            <p:cNvPr id="21" name="Rectangle 20">
+              <a:extLst>
+                <a:ext uri="{FF2B5EF4-FFF2-40B4-BE49-F238E27FC236}">
+                  <a16:creationId xmlns:a16="http://schemas.microsoft.com/office/drawing/2014/main" id="{15E5AD0C-4FB3-7CE3-CE18-00129B32F88F}"/>
+                </a:ext>
+              </a:extLst>
+            </p:cNvPr>
+            <p:cNvSpPr/>
+            <p:nvPr/>
+          </p:nvSpPr>
+          <p:spPr>
+            <a:xfrm>
+              <a:off x="2740029" y="1128179"/>
+              <a:ext cx="2160000" cy="2160000"/>
+            </a:xfrm>
+            <a:prstGeom prst="rect">
+              <a:avLst/>
+            </a:prstGeom>
+            <a:solidFill>
+              <a:schemeClr val="bg1"/>
+            </a:solidFill>
+            <a:ln>
+              <a:solidFill>
+                <a:schemeClr val="tx1"/>
+              </a:solidFill>
+            </a:ln>
+          </p:spPr>
+          <p:style>
+            <a:lnRef idx="2">
+              <a:schemeClr val="accent1">
+                <a:shade val="50000"/>
+              </a:schemeClr>
+            </a:lnRef>
+            <a:fillRef idx="1">
+              <a:schemeClr val="accent1"/>
+            </a:fillRef>
+            <a:effectRef idx="0">
+              <a:schemeClr val="accent1"/>
+            </a:effectRef>
+            <a:fontRef idx="minor">
+              <a:schemeClr val="lt1"/>
+            </a:fontRef>
+          </p:style>
+          <p:txBody>
+            <a:bodyPr rtlCol="0" anchor="ctr"/>
+            <a:lstStyle/>
+            <a:p>
+              <a:pPr algn="ctr"/>
+              <a:endParaRPr lang="en-GB">
+                <a:solidFill>
+                  <a:schemeClr val="bg1"/>
+                </a:solidFill>
+              </a:endParaRPr>
+            </a:p>
+          </p:txBody>
+        </p:sp>
+        <p:pic>
+          <p:nvPicPr>
+            <p:cNvPr id="5" name="Picture 4">
+              <a:extLst>
+                <a:ext uri="{FF2B5EF4-FFF2-40B4-BE49-F238E27FC236}">
+                  <a16:creationId xmlns:a16="http://schemas.microsoft.com/office/drawing/2014/main" id="{3EB134F0-4463-580B-280B-9DD747AD5E04}"/>
+                </a:ext>
+              </a:extLst>
+            </p:cNvPr>
+            <p:cNvPicPr>
+              <a:picLocks noChangeAspect="1"/>
+            </p:cNvPicPr>
+            <p:nvPr/>
+          </p:nvPicPr>
+          <p:blipFill rotWithShape="1">
+            <a:blip r:embed="rId2"/>
+            <a:srcRect l="2892" t="6630" r="79581" b="57069"/>
+            <a:stretch/>
+          </p:blipFill>
+          <p:spPr>
+            <a:xfrm>
+              <a:off x="2914179" y="1303880"/>
+              <a:ext cx="1811699" cy="1808598"/>
+            </a:xfrm>
+            <a:prstGeom prst="rect">
+              <a:avLst/>
+            </a:prstGeom>
+          </p:spPr>
+        </p:pic>
+      </p:grpSp>
+      <p:grpSp>
+        <p:nvGrpSpPr>
+          <p:cNvPr id="3" name="Group 2">
+            <a:extLst>
+              <a:ext uri="{FF2B5EF4-FFF2-40B4-BE49-F238E27FC236}">
+                <a16:creationId xmlns:a16="http://schemas.microsoft.com/office/drawing/2014/main" id="{6BF6F363-BD64-CA74-3211-D310DC11363E}"/>
+              </a:ext>
+            </a:extLst>
+          </p:cNvPr>
+          <p:cNvGrpSpPr/>
+          <p:nvPr/>
+        </p:nvGrpSpPr>
+        <p:grpSpPr>
+          <a:xfrm>
+            <a:off x="5236041" y="1128179"/>
+            <a:ext cx="2160000" cy="2160000"/>
+            <a:chOff x="5335629" y="1128179"/>
+            <a:chExt cx="2160000" cy="2160000"/>
+          </a:xfrm>
+        </p:grpSpPr>
+        <p:sp>
+          <p:nvSpPr>
+            <p:cNvPr id="9" name="Rectangle 8">
+              <a:extLst>
+                <a:ext uri="{FF2B5EF4-FFF2-40B4-BE49-F238E27FC236}">
+                  <a16:creationId xmlns:a16="http://schemas.microsoft.com/office/drawing/2014/main" id="{3A04360F-B878-4A92-9A47-404C300CFAB3}"/>
+                </a:ext>
+              </a:extLst>
+            </p:cNvPr>
+            <p:cNvSpPr/>
+            <p:nvPr/>
+          </p:nvSpPr>
+          <p:spPr>
+            <a:xfrm>
+              <a:off x="5335629" y="1128179"/>
+              <a:ext cx="2160000" cy="2160000"/>
+            </a:xfrm>
+            <a:prstGeom prst="rect">
+              <a:avLst/>
+            </a:prstGeom>
+            <a:solidFill>
+              <a:schemeClr val="bg1"/>
+            </a:solidFill>
+            <a:ln>
+              <a:solidFill>
+                <a:schemeClr val="tx1"/>
+              </a:solidFill>
+            </a:ln>
+          </p:spPr>
+          <p:style>
+            <a:lnRef idx="2">
+              <a:schemeClr val="accent1">
+                <a:shade val="50000"/>
+              </a:schemeClr>
+            </a:lnRef>
+            <a:fillRef idx="1">
+              <a:schemeClr val="accent1"/>
+            </a:fillRef>
+            <a:effectRef idx="0">
+              <a:schemeClr val="accent1"/>
+            </a:effectRef>
+            <a:fontRef idx="minor">
+              <a:schemeClr val="lt1"/>
+            </a:fontRef>
+          </p:style>
+          <p:txBody>
+            <a:bodyPr rtlCol="0" anchor="ctr"/>
+            <a:lstStyle/>
+            <a:p>
+              <a:pPr algn="ctr"/>
+              <a:endParaRPr lang="en-GB">
+                <a:solidFill>
+                  <a:schemeClr val="bg1"/>
+                </a:solidFill>
+              </a:endParaRPr>
+            </a:p>
+          </p:txBody>
+        </p:sp>
+        <p:pic>
+          <p:nvPicPr>
+            <p:cNvPr id="10" name="Picture 9">
+              <a:extLst>
+                <a:ext uri="{FF2B5EF4-FFF2-40B4-BE49-F238E27FC236}">
+                  <a16:creationId xmlns:a16="http://schemas.microsoft.com/office/drawing/2014/main" id="{3FBDE7C3-019B-302F-9120-FAD64F738756}"/>
+                </a:ext>
+              </a:extLst>
+            </p:cNvPr>
+            <p:cNvPicPr>
+              <a:picLocks noChangeAspect="1"/>
+            </p:cNvPicPr>
+            <p:nvPr/>
+          </p:nvPicPr>
+          <p:blipFill rotWithShape="1">
+            <a:blip r:embed="rId2"/>
+            <a:srcRect l="35030" t="6719" r="47442" b="56980"/>
+            <a:stretch/>
+          </p:blipFill>
+          <p:spPr>
+            <a:xfrm>
+              <a:off x="5509779" y="1303880"/>
+              <a:ext cx="1811699" cy="1808598"/>
+            </a:xfrm>
+            <a:prstGeom prst="rect">
+              <a:avLst/>
+            </a:prstGeom>
+          </p:spPr>
+        </p:pic>
+      </p:grpSp>
+      <p:grpSp>
+        <p:nvGrpSpPr>
+          <p:cNvPr id="11" name="Group 10">
+            <a:extLst>
+              <a:ext uri="{FF2B5EF4-FFF2-40B4-BE49-F238E27FC236}">
+                <a16:creationId xmlns:a16="http://schemas.microsoft.com/office/drawing/2014/main" id="{061ABE9C-349E-AE02-48C8-6EC113C8FAB5}"/>
+              </a:ext>
+            </a:extLst>
+          </p:cNvPr>
+          <p:cNvGrpSpPr/>
+          <p:nvPr/>
+        </p:nvGrpSpPr>
+        <p:grpSpPr>
+          <a:xfrm>
+            <a:off x="2740029" y="3569821"/>
+            <a:ext cx="2160000" cy="2160000"/>
+            <a:chOff x="2911378" y="3546760"/>
+            <a:chExt cx="2160000" cy="2160000"/>
+          </a:xfrm>
+        </p:grpSpPr>
+        <p:sp>
+          <p:nvSpPr>
+            <p:cNvPr id="12" name="Rectangle 11">
+              <a:extLst>
+                <a:ext uri="{FF2B5EF4-FFF2-40B4-BE49-F238E27FC236}">
+                  <a16:creationId xmlns:a16="http://schemas.microsoft.com/office/drawing/2014/main" id="{C828243C-0634-8762-148D-6BAA847AC6C2}"/>
+                </a:ext>
+              </a:extLst>
+            </p:cNvPr>
+            <p:cNvSpPr/>
+            <p:nvPr/>
+          </p:nvSpPr>
+          <p:spPr>
+            <a:xfrm>
+              <a:off x="2911378" y="3546760"/>
+              <a:ext cx="2160000" cy="2160000"/>
+            </a:xfrm>
+            <a:prstGeom prst="rect">
+              <a:avLst/>
+            </a:prstGeom>
+            <a:solidFill>
+              <a:schemeClr val="bg1"/>
+            </a:solidFill>
+            <a:ln>
+              <a:solidFill>
+                <a:schemeClr val="tx1"/>
+              </a:solidFill>
+            </a:ln>
+          </p:spPr>
+          <p:style>
+            <a:lnRef idx="2">
+              <a:schemeClr val="accent1">
+                <a:shade val="50000"/>
+              </a:schemeClr>
+            </a:lnRef>
+            <a:fillRef idx="1">
+              <a:schemeClr val="accent1"/>
+            </a:fillRef>
+            <a:effectRef idx="0">
+              <a:schemeClr val="accent1"/>
+            </a:effectRef>
+            <a:fontRef idx="minor">
+              <a:schemeClr val="lt1"/>
+            </a:fontRef>
+          </p:style>
+          <p:txBody>
+            <a:bodyPr rtlCol="0" anchor="ctr"/>
+            <a:lstStyle/>
+            <a:p>
+              <a:pPr algn="ctr"/>
+              <a:endParaRPr lang="en-GB">
+                <a:solidFill>
+                  <a:schemeClr val="bg1"/>
+                </a:solidFill>
+              </a:endParaRPr>
+            </a:p>
+          </p:txBody>
+        </p:sp>
+        <p:pic>
+          <p:nvPicPr>
+            <p:cNvPr id="13" name="Picture 12">
+              <a:extLst>
+                <a:ext uri="{FF2B5EF4-FFF2-40B4-BE49-F238E27FC236}">
+                  <a16:creationId xmlns:a16="http://schemas.microsoft.com/office/drawing/2014/main" id="{61F92F74-B048-80FD-AA1C-FDF3F5D9EAEB}"/>
+                </a:ext>
+              </a:extLst>
+            </p:cNvPr>
+            <p:cNvPicPr>
+              <a:picLocks noChangeAspect="1"/>
+            </p:cNvPicPr>
+            <p:nvPr/>
+          </p:nvPicPr>
+          <p:blipFill rotWithShape="1">
+            <a:blip r:embed="rId2"/>
+            <a:srcRect l="67259" t="6524" r="15213" b="57178"/>
+            <a:stretch/>
+          </p:blipFill>
+          <p:spPr>
+            <a:xfrm>
+              <a:off x="3085528" y="3722461"/>
+              <a:ext cx="1811699" cy="1808598"/>
+            </a:xfrm>
+            <a:prstGeom prst="rect">
+              <a:avLst/>
+            </a:prstGeom>
+          </p:spPr>
+        </p:pic>
+      </p:grpSp>
+      <p:grpSp>
+        <p:nvGrpSpPr>
+          <p:cNvPr id="14" name="Group 13">
+            <a:extLst>
+              <a:ext uri="{FF2B5EF4-FFF2-40B4-BE49-F238E27FC236}">
+                <a16:creationId xmlns:a16="http://schemas.microsoft.com/office/drawing/2014/main" id="{BFEF5FE4-BF65-6C8A-1406-F3ECD4F63BBE}"/>
+              </a:ext>
+            </a:extLst>
+          </p:cNvPr>
+          <p:cNvGrpSpPr/>
+          <p:nvPr/>
+        </p:nvGrpSpPr>
+        <p:grpSpPr>
+          <a:xfrm>
+            <a:off x="5236041" y="3569821"/>
+            <a:ext cx="2160000" cy="2160000"/>
+            <a:chOff x="5164281" y="3546760"/>
+            <a:chExt cx="2160000" cy="2160000"/>
+          </a:xfrm>
+        </p:grpSpPr>
+        <p:sp>
+          <p:nvSpPr>
+            <p:cNvPr id="15" name="Rectangle 14">
+              <a:extLst>
+                <a:ext uri="{FF2B5EF4-FFF2-40B4-BE49-F238E27FC236}">
+                  <a16:creationId xmlns:a16="http://schemas.microsoft.com/office/drawing/2014/main" id="{03BCFB0B-F23D-0B76-43D0-6AB3333F0626}"/>
+                </a:ext>
+              </a:extLst>
+            </p:cNvPr>
+            <p:cNvSpPr/>
+            <p:nvPr/>
+          </p:nvSpPr>
+          <p:spPr>
+            <a:xfrm>
+              <a:off x="5164281" y="3546760"/>
+              <a:ext cx="2160000" cy="2160000"/>
+            </a:xfrm>
+            <a:prstGeom prst="rect">
+              <a:avLst/>
+            </a:prstGeom>
+            <a:solidFill>
+              <a:schemeClr val="bg1"/>
+            </a:solidFill>
+            <a:ln>
+              <a:solidFill>
+                <a:schemeClr val="tx1"/>
+              </a:solidFill>
+            </a:ln>
+          </p:spPr>
+          <p:style>
+            <a:lnRef idx="2">
+              <a:schemeClr val="accent1">
+                <a:shade val="50000"/>
+              </a:schemeClr>
+            </a:lnRef>
+            <a:fillRef idx="1">
+              <a:schemeClr val="accent1"/>
+            </a:fillRef>
+            <a:effectRef idx="0">
+              <a:schemeClr val="accent1"/>
+            </a:effectRef>
+            <a:fontRef idx="minor">
+              <a:schemeClr val="lt1"/>
+            </a:fontRef>
+          </p:style>
+          <p:txBody>
+            <a:bodyPr rtlCol="0" anchor="ctr"/>
+            <a:lstStyle/>
+            <a:p>
+              <a:pPr algn="ctr"/>
+              <a:endParaRPr lang="en-GB">
+                <a:solidFill>
+                  <a:schemeClr val="bg1"/>
+                </a:solidFill>
+              </a:endParaRPr>
+            </a:p>
+          </p:txBody>
+        </p:sp>
+        <p:pic>
+          <p:nvPicPr>
+            <p:cNvPr id="16" name="Picture 15">
+              <a:extLst>
+                <a:ext uri="{FF2B5EF4-FFF2-40B4-BE49-F238E27FC236}">
+                  <a16:creationId xmlns:a16="http://schemas.microsoft.com/office/drawing/2014/main" id="{B4D1D353-F9FB-5F03-FC0E-9D6D35C6B6F0}"/>
+                </a:ext>
+              </a:extLst>
+            </p:cNvPr>
+            <p:cNvPicPr>
+              <a:picLocks noChangeAspect="1"/>
+            </p:cNvPicPr>
+            <p:nvPr/>
+          </p:nvPicPr>
+          <p:blipFill rotWithShape="1">
+            <a:blip r:embed="rId2"/>
+            <a:srcRect l="11015" t="49049" r="71457" b="14649"/>
+            <a:stretch/>
+          </p:blipFill>
+          <p:spPr>
+            <a:xfrm>
+              <a:off x="5338431" y="3722461"/>
+              <a:ext cx="1811699" cy="1808598"/>
+            </a:xfrm>
+            <a:prstGeom prst="rect">
+              <a:avLst/>
+            </a:prstGeom>
+          </p:spPr>
+        </p:pic>
+      </p:grpSp>
+      <p:grpSp>
+        <p:nvGrpSpPr>
+          <p:cNvPr id="17" name="Group 16">
+            <a:extLst>
+              <a:ext uri="{FF2B5EF4-FFF2-40B4-BE49-F238E27FC236}">
+                <a16:creationId xmlns:a16="http://schemas.microsoft.com/office/drawing/2014/main" id="{EF0816FE-3E5E-84F6-DCEF-D81D561F3CD6}"/>
+              </a:ext>
+            </a:extLst>
+          </p:cNvPr>
+          <p:cNvGrpSpPr/>
+          <p:nvPr/>
+        </p:nvGrpSpPr>
+        <p:grpSpPr>
+          <a:xfrm>
+            <a:off x="7732053" y="2349000"/>
+            <a:ext cx="2160000" cy="2160000"/>
+            <a:chOff x="8494381" y="2805426"/>
+            <a:chExt cx="2160000" cy="2160000"/>
+          </a:xfrm>
+        </p:grpSpPr>
+        <p:sp>
+          <p:nvSpPr>
+            <p:cNvPr id="18" name="Rectangle 17">
+              <a:extLst>
+                <a:ext uri="{FF2B5EF4-FFF2-40B4-BE49-F238E27FC236}">
+                  <a16:creationId xmlns:a16="http://schemas.microsoft.com/office/drawing/2014/main" id="{0031526C-66A6-E626-1006-3BB718FEF3CE}"/>
+                </a:ext>
+              </a:extLst>
+            </p:cNvPr>
+            <p:cNvSpPr/>
+            <p:nvPr/>
+          </p:nvSpPr>
+          <p:spPr>
+            <a:xfrm>
+              <a:off x="8494381" y="2805426"/>
+              <a:ext cx="2160000" cy="2160000"/>
+            </a:xfrm>
+            <a:prstGeom prst="rect">
+              <a:avLst/>
+            </a:prstGeom>
+            <a:solidFill>
+              <a:schemeClr val="bg1"/>
+            </a:solidFill>
+            <a:ln>
+              <a:solidFill>
+                <a:schemeClr val="tx1"/>
+              </a:solidFill>
+            </a:ln>
+          </p:spPr>
+          <p:style>
+            <a:lnRef idx="2">
+              <a:schemeClr val="accent1">
+                <a:shade val="50000"/>
+              </a:schemeClr>
+            </a:lnRef>
+            <a:fillRef idx="1">
+              <a:schemeClr val="accent1"/>
+            </a:fillRef>
+            <a:effectRef idx="0">
+              <a:schemeClr val="accent1"/>
+            </a:effectRef>
+            <a:fontRef idx="minor">
+              <a:schemeClr val="lt1"/>
+            </a:fontRef>
+          </p:style>
+          <p:txBody>
+            <a:bodyPr rtlCol="0" anchor="ctr"/>
+            <a:lstStyle/>
+            <a:p>
+              <a:pPr algn="ctr"/>
+              <a:endParaRPr lang="en-GB">
+                <a:solidFill>
+                  <a:schemeClr val="bg1"/>
+                </a:solidFill>
+              </a:endParaRPr>
+            </a:p>
+          </p:txBody>
+        </p:sp>
+        <p:pic>
+          <p:nvPicPr>
+            <p:cNvPr id="19" name="Picture 18">
+              <a:extLst>
+                <a:ext uri="{FF2B5EF4-FFF2-40B4-BE49-F238E27FC236}">
+                  <a16:creationId xmlns:a16="http://schemas.microsoft.com/office/drawing/2014/main" id="{AE3F6073-50C3-EE80-2E76-6D956489ED1E}"/>
+                </a:ext>
+              </a:extLst>
+            </p:cNvPr>
+            <p:cNvPicPr>
+              <a:picLocks noChangeAspect="1"/>
+            </p:cNvPicPr>
+            <p:nvPr/>
+          </p:nvPicPr>
+          <p:blipFill rotWithShape="1">
+            <a:blip r:embed="rId2"/>
+            <a:srcRect l="59233" t="48710" r="23238" b="14990"/>
+            <a:stretch/>
+          </p:blipFill>
+          <p:spPr>
+            <a:xfrm>
+              <a:off x="8668531" y="2981126"/>
+              <a:ext cx="1811699" cy="1808599"/>
+            </a:xfrm>
+            <a:prstGeom prst="rect">
+              <a:avLst/>
+            </a:prstGeom>
+          </p:spPr>
+        </p:pic>
+      </p:grpSp>
     </p:spTree>
     <p:extLst>
       <p:ext uri="{BB962C8B-B14F-4D97-AF65-F5344CB8AC3E}">
-        <p14:creationId xmlns:p14="http://schemas.microsoft.com/office/powerpoint/2010/main" val="4205632210"/>
+        <p14:creationId xmlns:p14="http://schemas.microsoft.com/office/powerpoint/2010/main" val="1095065913"/>
       </p:ext>
     </p:extLst>
   </p:cSld>

--- a/3_Markers Design/Aruco Markers Testing.pptx
+++ b/3_Markers Design/Aruco Markers Testing.pptx
@@ -5,11 +5,10 @@
     <p:sldMasterId id="2147483648" r:id="rId1"/>
   </p:sldMasterIdLst>
   <p:sldIdLst>
-    <p:sldId id="257" r:id="rId2"/>
-    <p:sldId id="258" r:id="rId3"/>
-    <p:sldId id="259" r:id="rId4"/>
-    <p:sldId id="260" r:id="rId5"/>
-    <p:sldId id="262" r:id="rId6"/>
+    <p:sldId id="258" r:id="rId2"/>
+    <p:sldId id="259" r:id="rId3"/>
+    <p:sldId id="260" r:id="rId4"/>
+    <p:sldId id="261" r:id="rId5"/>
   </p:sldIdLst>
   <p:sldSz cx="12192000" cy="6858000"/>
   <p:notesSz cx="6889750" cy="10021888"/>
@@ -546,7 +545,7 @@
           <a:p>
             <a:fld id="{671E18D5-AE65-4632-BFBD-AD282067D837}" type="datetimeFigureOut">
               <a:rPr lang="en-GB" smtClean="0"/>
-              <a:t>03/05/2023</a:t>
+              <a:t>04/06/2023</a:t>
             </a:fld>
             <a:endParaRPr lang="en-GB"/>
           </a:p>
@@ -746,7 +745,7 @@
           <a:p>
             <a:fld id="{671E18D5-AE65-4632-BFBD-AD282067D837}" type="datetimeFigureOut">
               <a:rPr lang="en-GB" smtClean="0"/>
-              <a:t>03/05/2023</a:t>
+              <a:t>04/06/2023</a:t>
             </a:fld>
             <a:endParaRPr lang="en-GB"/>
           </a:p>
@@ -956,7 +955,7 @@
           <a:p>
             <a:fld id="{671E18D5-AE65-4632-BFBD-AD282067D837}" type="datetimeFigureOut">
               <a:rPr lang="en-GB" smtClean="0"/>
-              <a:t>03/05/2023</a:t>
+              <a:t>04/06/2023</a:t>
             </a:fld>
             <a:endParaRPr lang="en-GB"/>
           </a:p>
@@ -1156,7 +1155,7 @@
           <a:p>
             <a:fld id="{671E18D5-AE65-4632-BFBD-AD282067D837}" type="datetimeFigureOut">
               <a:rPr lang="en-GB" smtClean="0"/>
-              <a:t>03/05/2023</a:t>
+              <a:t>04/06/2023</a:t>
             </a:fld>
             <a:endParaRPr lang="en-GB"/>
           </a:p>
@@ -1432,7 +1431,7 @@
           <a:p>
             <a:fld id="{671E18D5-AE65-4632-BFBD-AD282067D837}" type="datetimeFigureOut">
               <a:rPr lang="en-GB" smtClean="0"/>
-              <a:t>03/05/2023</a:t>
+              <a:t>04/06/2023</a:t>
             </a:fld>
             <a:endParaRPr lang="en-GB"/>
           </a:p>
@@ -1700,7 +1699,7 @@
           <a:p>
             <a:fld id="{671E18D5-AE65-4632-BFBD-AD282067D837}" type="datetimeFigureOut">
               <a:rPr lang="en-GB" smtClean="0"/>
-              <a:t>03/05/2023</a:t>
+              <a:t>04/06/2023</a:t>
             </a:fld>
             <a:endParaRPr lang="en-GB"/>
           </a:p>
@@ -2115,7 +2114,7 @@
           <a:p>
             <a:fld id="{671E18D5-AE65-4632-BFBD-AD282067D837}" type="datetimeFigureOut">
               <a:rPr lang="en-GB" smtClean="0"/>
-              <a:t>03/05/2023</a:t>
+              <a:t>04/06/2023</a:t>
             </a:fld>
             <a:endParaRPr lang="en-GB"/>
           </a:p>
@@ -2257,7 +2256,7 @@
           <a:p>
             <a:fld id="{671E18D5-AE65-4632-BFBD-AD282067D837}" type="datetimeFigureOut">
               <a:rPr lang="en-GB" smtClean="0"/>
-              <a:t>03/05/2023</a:t>
+              <a:t>04/06/2023</a:t>
             </a:fld>
             <a:endParaRPr lang="en-GB"/>
           </a:p>
@@ -2370,7 +2369,7 @@
           <a:p>
             <a:fld id="{671E18D5-AE65-4632-BFBD-AD282067D837}" type="datetimeFigureOut">
               <a:rPr lang="en-GB" smtClean="0"/>
-              <a:t>03/05/2023</a:t>
+              <a:t>04/06/2023</a:t>
             </a:fld>
             <a:endParaRPr lang="en-GB"/>
           </a:p>
@@ -2683,7 +2682,7 @@
           <a:p>
             <a:fld id="{671E18D5-AE65-4632-BFBD-AD282067D837}" type="datetimeFigureOut">
               <a:rPr lang="en-GB" smtClean="0"/>
-              <a:t>03/05/2023</a:t>
+              <a:t>04/06/2023</a:t>
             </a:fld>
             <a:endParaRPr lang="en-GB"/>
           </a:p>
@@ -2972,7 +2971,7 @@
           <a:p>
             <a:fld id="{671E18D5-AE65-4632-BFBD-AD282067D837}" type="datetimeFigureOut">
               <a:rPr lang="en-GB" smtClean="0"/>
-              <a:t>03/05/2023</a:t>
+              <a:t>04/06/2023</a:t>
             </a:fld>
             <a:endParaRPr lang="en-GB"/>
           </a:p>
@@ -3215,7 +3214,7 @@
           <a:p>
             <a:fld id="{671E18D5-AE65-4632-BFBD-AD282067D837}" type="datetimeFigureOut">
               <a:rPr lang="en-GB" smtClean="0"/>
-              <a:t>03/05/2023</a:t>
+              <a:t>04/06/2023</a:t>
             </a:fld>
             <a:endParaRPr lang="en-GB"/>
           </a:p>
@@ -3632,12 +3631,47 @@
           <a:chExt cx="0" cy="0"/>
         </a:xfrm>
       </p:grpSpPr>
+      <p:sp>
+        <p:nvSpPr>
+          <p:cNvPr id="46" name="TextBox 45">
+            <a:extLst>
+              <a:ext uri="{FF2B5EF4-FFF2-40B4-BE49-F238E27FC236}">
+                <a16:creationId xmlns:a16="http://schemas.microsoft.com/office/drawing/2014/main" id="{3AEF0BC5-9933-E4BC-E5C1-0C99FA02AC60}"/>
+              </a:ext>
+            </a:extLst>
+          </p:cNvPr>
+          <p:cNvSpPr txBox="1"/>
+          <p:nvPr/>
+        </p:nvSpPr>
+        <p:spPr>
+          <a:xfrm>
+            <a:off x="1195386" y="1009650"/>
+            <a:ext cx="971550" cy="4524315"/>
+          </a:xfrm>
+          <a:prstGeom prst="rect">
+            <a:avLst/>
+          </a:prstGeom>
+          <a:noFill/>
+        </p:spPr>
+        <p:txBody>
+          <a:bodyPr wrap="square" rtlCol="0">
+            <a:spAutoFit/>
+          </a:bodyPr>
+          <a:lstStyle/>
+          <a:p>
+            <a:r>
+              <a:rPr lang="en-GB" sz="9600" dirty="0"/>
+              <a:t>4x4</a:t>
+            </a:r>
+          </a:p>
+        </p:txBody>
+      </p:sp>
       <p:pic>
         <p:nvPicPr>
-          <p:cNvPr id="11" name="Picture 10">
-            <a:extLst>
-              <a:ext uri="{FF2B5EF4-FFF2-40B4-BE49-F238E27FC236}">
-                <a16:creationId xmlns:a16="http://schemas.microsoft.com/office/drawing/2014/main" id="{82998BC3-0EAC-C1A2-0ABD-DFA89B9022DE}"/>
+          <p:cNvPr id="52" name="Picture 51" descr="A black and white pixelated logo&#10;&#10;Description automatically generated with low confidence">
+            <a:extLst>
+              <a:ext uri="{FF2B5EF4-FFF2-40B4-BE49-F238E27FC236}">
+                <a16:creationId xmlns:a16="http://schemas.microsoft.com/office/drawing/2014/main" id="{DF960861-F783-649C-9F13-B35B9CF77DDE}"/>
               </a:ext>
             </a:extLst>
           </p:cNvPr>
@@ -3646,27 +3680,39 @@
           </p:cNvPicPr>
           <p:nvPr/>
         </p:nvPicPr>
-        <p:blipFill rotWithShape="1">
-          <a:blip r:embed="rId2"/>
-          <a:srcRect r="9848"/>
-          <a:stretch/>
+        <p:blipFill>
+          <a:blip r:embed="rId2">
+            <a:extLst>
+              <a:ext uri="{28A0092B-C50C-407E-A947-70E740481C1C}">
+                <a14:useLocalDpi xmlns:a14="http://schemas.microsoft.com/office/drawing/2010/main" val="0"/>
+              </a:ext>
+            </a:extLst>
+          </a:blip>
+          <a:stretch>
+            <a:fillRect/>
+          </a:stretch>
         </p:blipFill>
         <p:spPr>
           <a:xfrm>
-            <a:off x="399901" y="358242"/>
-            <a:ext cx="9611367" cy="2682472"/>
+            <a:off x="2862262" y="1119187"/>
+            <a:ext cx="1943100" cy="1943100"/>
           </a:xfrm>
           <a:prstGeom prst="rect">
             <a:avLst/>
           </a:prstGeom>
+          <a:ln>
+            <a:solidFill>
+              <a:schemeClr val="tx1"/>
+            </a:solidFill>
+          </a:ln>
         </p:spPr>
       </p:pic>
       <p:pic>
         <p:nvPicPr>
-          <p:cNvPr id="16" name="Picture 15">
-            <a:extLst>
-              <a:ext uri="{FF2B5EF4-FFF2-40B4-BE49-F238E27FC236}">
-                <a16:creationId xmlns:a16="http://schemas.microsoft.com/office/drawing/2014/main" id="{578EADC6-D67C-A4DF-5443-BFC8525A5F0C}"/>
+          <p:cNvPr id="54" name="Picture 53" descr="A black and white logo&#10;&#10;Description automatically generated with medium confidence">
+            <a:extLst>
+              <a:ext uri="{FF2B5EF4-FFF2-40B4-BE49-F238E27FC236}">
+                <a16:creationId xmlns:a16="http://schemas.microsoft.com/office/drawing/2014/main" id="{75176B2D-2F55-938B-3409-38EB719D2459}"/>
               </a:ext>
             </a:extLst>
           </p:cNvPr>
@@ -3675,25 +3721,160 @@
           </p:cNvPicPr>
           <p:nvPr/>
         </p:nvPicPr>
-        <p:blipFill rotWithShape="1">
-          <a:blip r:embed="rId2"/>
-          <a:srcRect l="4803" t="12996" r="78187" b="19586"/>
-          <a:stretch/>
+        <p:blipFill>
+          <a:blip r:embed="rId3">
+            <a:extLst>
+              <a:ext uri="{28A0092B-C50C-407E-A947-70E740481C1C}">
+                <a14:useLocalDpi xmlns:a14="http://schemas.microsoft.com/office/drawing/2010/main" val="0"/>
+              </a:ext>
+            </a:extLst>
+          </a:blip>
+          <a:stretch>
+            <a:fillRect/>
+          </a:stretch>
         </p:blipFill>
         <p:spPr>
           <a:xfrm>
-            <a:off x="3208675" y="3429000"/>
-            <a:ext cx="1813560" cy="1808480"/>
+            <a:off x="5224464" y="1119187"/>
+            <a:ext cx="1943100" cy="1943100"/>
           </a:xfrm>
           <a:prstGeom prst="rect">
             <a:avLst/>
           </a:prstGeom>
+          <a:ln>
+            <a:solidFill>
+              <a:schemeClr val="tx1"/>
+            </a:solidFill>
+          </a:ln>
+        </p:spPr>
+      </p:pic>
+      <p:pic>
+        <p:nvPicPr>
+          <p:cNvPr id="56" name="Picture 55" descr="A black and white logo&#10;&#10;Description automatically generated with low confidence">
+            <a:extLst>
+              <a:ext uri="{FF2B5EF4-FFF2-40B4-BE49-F238E27FC236}">
+                <a16:creationId xmlns:a16="http://schemas.microsoft.com/office/drawing/2014/main" id="{CD4302E1-A82A-66CD-E0A7-3871FEF261AE}"/>
+              </a:ext>
+            </a:extLst>
+          </p:cNvPr>
+          <p:cNvPicPr>
+            <a:picLocks noChangeAspect="1"/>
+          </p:cNvPicPr>
+          <p:nvPr/>
+        </p:nvPicPr>
+        <p:blipFill>
+          <a:blip r:embed="rId4">
+            <a:extLst>
+              <a:ext uri="{28A0092B-C50C-407E-A947-70E740481C1C}">
+                <a14:useLocalDpi xmlns:a14="http://schemas.microsoft.com/office/drawing/2010/main" val="0"/>
+              </a:ext>
+            </a:extLst>
+          </a:blip>
+          <a:stretch>
+            <a:fillRect/>
+          </a:stretch>
+        </p:blipFill>
+        <p:spPr>
+          <a:xfrm>
+            <a:off x="2862262" y="3538537"/>
+            <a:ext cx="1943100" cy="1943100"/>
+          </a:xfrm>
+          <a:prstGeom prst="rect">
+            <a:avLst/>
+          </a:prstGeom>
+          <a:ln>
+            <a:solidFill>
+              <a:schemeClr val="tx1"/>
+            </a:solidFill>
+          </a:ln>
+        </p:spPr>
+      </p:pic>
+      <p:pic>
+        <p:nvPicPr>
+          <p:cNvPr id="58" name="Picture 57" descr="A black and white logo&#10;&#10;Description automatically generated with low confidence">
+            <a:extLst>
+              <a:ext uri="{FF2B5EF4-FFF2-40B4-BE49-F238E27FC236}">
+                <a16:creationId xmlns:a16="http://schemas.microsoft.com/office/drawing/2014/main" id="{BDE989C3-8AB9-1F24-8195-731F8392A17F}"/>
+              </a:ext>
+            </a:extLst>
+          </p:cNvPr>
+          <p:cNvPicPr>
+            <a:picLocks noChangeAspect="1"/>
+          </p:cNvPicPr>
+          <p:nvPr/>
+        </p:nvPicPr>
+        <p:blipFill>
+          <a:blip r:embed="rId5">
+            <a:extLst>
+              <a:ext uri="{28A0092B-C50C-407E-A947-70E740481C1C}">
+                <a14:useLocalDpi xmlns:a14="http://schemas.microsoft.com/office/drawing/2010/main" val="0"/>
+              </a:ext>
+            </a:extLst>
+          </a:blip>
+          <a:stretch>
+            <a:fillRect/>
+          </a:stretch>
+        </p:blipFill>
+        <p:spPr>
+          <a:xfrm>
+            <a:off x="5224464" y="3538537"/>
+            <a:ext cx="1943100" cy="1943100"/>
+          </a:xfrm>
+          <a:prstGeom prst="rect">
+            <a:avLst/>
+          </a:prstGeom>
+          <a:ln>
+            <a:solidFill>
+              <a:schemeClr val="tx1"/>
+            </a:solidFill>
+          </a:ln>
+        </p:spPr>
+      </p:pic>
+      <p:pic>
+        <p:nvPicPr>
+          <p:cNvPr id="60" name="Picture 59" descr="A black and white logo&#10;&#10;Description automatically generated with medium confidence">
+            <a:extLst>
+              <a:ext uri="{FF2B5EF4-FFF2-40B4-BE49-F238E27FC236}">
+                <a16:creationId xmlns:a16="http://schemas.microsoft.com/office/drawing/2014/main" id="{720D58E4-93BB-AE7F-57F7-B23E0AE346CA}"/>
+              </a:ext>
+            </a:extLst>
+          </p:cNvPr>
+          <p:cNvPicPr>
+            <a:picLocks noChangeAspect="1"/>
+          </p:cNvPicPr>
+          <p:nvPr/>
+        </p:nvPicPr>
+        <p:blipFill>
+          <a:blip r:embed="rId6">
+            <a:extLst>
+              <a:ext uri="{28A0092B-C50C-407E-A947-70E740481C1C}">
+                <a14:useLocalDpi xmlns:a14="http://schemas.microsoft.com/office/drawing/2010/main" val="0"/>
+              </a:ext>
+            </a:extLst>
+          </a:blip>
+          <a:stretch>
+            <a:fillRect/>
+          </a:stretch>
+        </p:blipFill>
+        <p:spPr>
+          <a:xfrm>
+            <a:off x="7586666" y="2328862"/>
+            <a:ext cx="1943100" cy="1943100"/>
+          </a:xfrm>
+          <a:prstGeom prst="rect">
+            <a:avLst/>
+          </a:prstGeom>
+          <a:ln>
+            <a:solidFill>
+              <a:schemeClr val="tx1"/>
+            </a:solidFill>
+          </a:ln>
         </p:spPr>
       </p:pic>
     </p:spTree>
     <p:extLst>
       <p:ext uri="{BB962C8B-B14F-4D97-AF65-F5344CB8AC3E}">
-        <p14:creationId xmlns:p14="http://schemas.microsoft.com/office/powerpoint/2010/main" val="2943210773"/>
+        <p14:creationId xmlns:p14="http://schemas.microsoft.com/office/powerpoint/2010/main" val="4042377062"/>
       </p:ext>
     </p:extLst>
   </p:cSld>
@@ -3720,12 +3901,47 @@
           <a:chExt cx="0" cy="0"/>
         </a:xfrm>
       </p:grpSpPr>
+      <p:sp>
+        <p:nvSpPr>
+          <p:cNvPr id="46" name="TextBox 45">
+            <a:extLst>
+              <a:ext uri="{FF2B5EF4-FFF2-40B4-BE49-F238E27FC236}">
+                <a16:creationId xmlns:a16="http://schemas.microsoft.com/office/drawing/2014/main" id="{3AEF0BC5-9933-E4BC-E5C1-0C99FA02AC60}"/>
+              </a:ext>
+            </a:extLst>
+          </p:cNvPr>
+          <p:cNvSpPr txBox="1"/>
+          <p:nvPr/>
+        </p:nvSpPr>
+        <p:spPr>
+          <a:xfrm>
+            <a:off x="1195386" y="1009650"/>
+            <a:ext cx="971550" cy="4524315"/>
+          </a:xfrm>
+          <a:prstGeom prst="rect">
+            <a:avLst/>
+          </a:prstGeom>
+          <a:noFill/>
+        </p:spPr>
+        <p:txBody>
+          <a:bodyPr wrap="square" rtlCol="0">
+            <a:spAutoFit/>
+          </a:bodyPr>
+          <a:lstStyle/>
+          <a:p>
+            <a:r>
+              <a:rPr lang="en-GB" sz="9600" dirty="0"/>
+              <a:t>5x5</a:t>
+            </a:r>
+          </a:p>
+        </p:txBody>
+      </p:sp>
       <p:pic>
         <p:nvPicPr>
-          <p:cNvPr id="5" name="Picture 4">
-            <a:extLst>
-              <a:ext uri="{FF2B5EF4-FFF2-40B4-BE49-F238E27FC236}">
-                <a16:creationId xmlns:a16="http://schemas.microsoft.com/office/drawing/2014/main" id="{60D7DD46-C4A3-3A2A-254D-090A31BBD026}"/>
+          <p:cNvPr id="52" name="Picture 51">
+            <a:extLst>
+              <a:ext uri="{FF2B5EF4-FFF2-40B4-BE49-F238E27FC236}">
+                <a16:creationId xmlns:a16="http://schemas.microsoft.com/office/drawing/2014/main" id="{DF960861-F783-649C-9F13-B35B9CF77DDE}"/>
               </a:ext>
             </a:extLst>
           </p:cNvPr>
@@ -3735,27 +3951,37 @@
           <p:nvPr/>
         </p:nvPicPr>
         <p:blipFill>
-          <a:blip r:embed="rId2"/>
-          <a:stretch>
-            <a:fillRect/>
-          </a:stretch>
+          <a:blip r:embed="rId2">
+            <a:extLst>
+              <a:ext uri="{28A0092B-C50C-407E-A947-70E740481C1C}">
+                <a14:useLocalDpi xmlns:a14="http://schemas.microsoft.com/office/drawing/2010/main" val="0"/>
+              </a:ext>
+            </a:extLst>
+          </a:blip>
+          <a:srcRect/>
+          <a:stretch/>
         </p:blipFill>
         <p:spPr>
           <a:xfrm>
-            <a:off x="757727" y="1375232"/>
-            <a:ext cx="10676545" cy="4107536"/>
+            <a:off x="2862262" y="1122233"/>
+            <a:ext cx="1943100" cy="1937008"/>
           </a:xfrm>
           <a:prstGeom prst="rect">
             <a:avLst/>
           </a:prstGeom>
+          <a:ln>
+            <a:solidFill>
+              <a:schemeClr val="tx1"/>
+            </a:solidFill>
+          </a:ln>
         </p:spPr>
       </p:pic>
       <p:pic>
         <p:nvPicPr>
-          <p:cNvPr id="2" name="Picture 1">
-            <a:extLst>
-              <a:ext uri="{FF2B5EF4-FFF2-40B4-BE49-F238E27FC236}">
-                <a16:creationId xmlns:a16="http://schemas.microsoft.com/office/drawing/2014/main" id="{660DBC27-ADB8-86C8-C5DB-11293320C10B}"/>
+          <p:cNvPr id="54" name="Picture 53">
+            <a:extLst>
+              <a:ext uri="{FF2B5EF4-FFF2-40B4-BE49-F238E27FC236}">
+                <a16:creationId xmlns:a16="http://schemas.microsoft.com/office/drawing/2014/main" id="{75176B2D-2F55-938B-3409-38EB719D2459}"/>
               </a:ext>
             </a:extLst>
           </p:cNvPr>
@@ -3764,35 +3990,38 @@
           </p:cNvPicPr>
           <p:nvPr/>
         </p:nvPicPr>
-        <p:blipFill rotWithShape="1">
+        <p:blipFill>
           <a:blip r:embed="rId3">
-            <a:duotone>
-              <a:schemeClr val="accent1">
-                <a:shade val="45000"/>
-                <a:satMod val="135000"/>
-              </a:schemeClr>
-              <a:prstClr val="white"/>
-            </a:duotone>
+            <a:extLst>
+              <a:ext uri="{28A0092B-C50C-407E-A947-70E740481C1C}">
+                <a14:useLocalDpi xmlns:a14="http://schemas.microsoft.com/office/drawing/2010/main" val="0"/>
+              </a:ext>
+            </a:extLst>
           </a:blip>
-          <a:srcRect l="4803" t="12996" r="78187" b="19586"/>
+          <a:srcRect/>
           <a:stretch/>
         </p:blipFill>
         <p:spPr>
           <a:xfrm>
-            <a:off x="1266752" y="3242821"/>
-            <a:ext cx="1813560" cy="1808480"/>
+            <a:off x="5227510" y="1119187"/>
+            <a:ext cx="1937008" cy="1943100"/>
           </a:xfrm>
           <a:prstGeom prst="rect">
             <a:avLst/>
           </a:prstGeom>
+          <a:ln>
+            <a:solidFill>
+              <a:schemeClr val="tx1"/>
+            </a:solidFill>
+          </a:ln>
         </p:spPr>
       </p:pic>
       <p:pic>
         <p:nvPicPr>
-          <p:cNvPr id="3" name="Picture 2">
-            <a:extLst>
-              <a:ext uri="{FF2B5EF4-FFF2-40B4-BE49-F238E27FC236}">
-                <a16:creationId xmlns:a16="http://schemas.microsoft.com/office/drawing/2014/main" id="{29A98FE5-17FD-0B31-911E-DE55795D1FEC}"/>
+          <p:cNvPr id="56" name="Picture 55">
+            <a:extLst>
+              <a:ext uri="{FF2B5EF4-FFF2-40B4-BE49-F238E27FC236}">
+                <a16:creationId xmlns:a16="http://schemas.microsoft.com/office/drawing/2014/main" id="{CD4302E1-A82A-66CD-E0A7-3871FEF261AE}"/>
               </a:ext>
             </a:extLst>
           </p:cNvPr>
@@ -3801,33 +4030,116 @@
           </p:cNvPicPr>
           <p:nvPr/>
         </p:nvPicPr>
-        <p:blipFill rotWithShape="1">
-          <a:blip r:embed="rId3">
-            <a:duotone>
-              <a:schemeClr val="accent1">
-                <a:shade val="45000"/>
-                <a:satMod val="135000"/>
-              </a:schemeClr>
-              <a:prstClr val="white"/>
-            </a:duotone>
+        <p:blipFill>
+          <a:blip r:embed="rId4">
+            <a:extLst>
+              <a:ext uri="{28A0092B-C50C-407E-A947-70E740481C1C}">
+                <a14:useLocalDpi xmlns:a14="http://schemas.microsoft.com/office/drawing/2010/main" val="0"/>
+              </a:ext>
+            </a:extLst>
           </a:blip>
-          <a:srcRect l="4803" t="12996" r="78187" b="19586"/>
+          <a:srcRect/>
           <a:stretch/>
         </p:blipFill>
         <p:spPr>
           <a:xfrm>
-            <a:off x="-546808" y="1434341"/>
-            <a:ext cx="1813560" cy="1808480"/>
+            <a:off x="2862262" y="3541583"/>
+            <a:ext cx="1943100" cy="1937008"/>
           </a:xfrm>
           <a:prstGeom prst="rect">
             <a:avLst/>
           </a:prstGeom>
+          <a:ln>
+            <a:solidFill>
+              <a:schemeClr val="tx1"/>
+            </a:solidFill>
+          </a:ln>
+        </p:spPr>
+      </p:pic>
+      <p:pic>
+        <p:nvPicPr>
+          <p:cNvPr id="58" name="Picture 57">
+            <a:extLst>
+              <a:ext uri="{FF2B5EF4-FFF2-40B4-BE49-F238E27FC236}">
+                <a16:creationId xmlns:a16="http://schemas.microsoft.com/office/drawing/2014/main" id="{BDE989C3-8AB9-1F24-8195-731F8392A17F}"/>
+              </a:ext>
+            </a:extLst>
+          </p:cNvPr>
+          <p:cNvPicPr>
+            <a:picLocks noChangeAspect="1"/>
+          </p:cNvPicPr>
+          <p:nvPr/>
+        </p:nvPicPr>
+        <p:blipFill>
+          <a:blip r:embed="rId5">
+            <a:extLst>
+              <a:ext uri="{28A0092B-C50C-407E-A947-70E740481C1C}">
+                <a14:useLocalDpi xmlns:a14="http://schemas.microsoft.com/office/drawing/2010/main" val="0"/>
+              </a:ext>
+            </a:extLst>
+          </a:blip>
+          <a:srcRect/>
+          <a:stretch/>
+        </p:blipFill>
+        <p:spPr>
+          <a:xfrm>
+            <a:off x="5224464" y="3538537"/>
+            <a:ext cx="1943100" cy="1943100"/>
+          </a:xfrm>
+          <a:prstGeom prst="rect">
+            <a:avLst/>
+          </a:prstGeom>
+          <a:ln>
+            <a:solidFill>
+              <a:schemeClr val="tx1"/>
+            </a:solidFill>
+          </a:ln>
+        </p:spPr>
+      </p:pic>
+      <p:pic>
+        <p:nvPicPr>
+          <p:cNvPr id="60" name="Picture 59">
+            <a:extLst>
+              <a:ext uri="{FF2B5EF4-FFF2-40B4-BE49-F238E27FC236}">
+                <a16:creationId xmlns:a16="http://schemas.microsoft.com/office/drawing/2014/main" id="{720D58E4-93BB-AE7F-57F7-B23E0AE346CA}"/>
+              </a:ext>
+            </a:extLst>
+          </p:cNvPr>
+          <p:cNvPicPr>
+            <a:picLocks noChangeAspect="1"/>
+          </p:cNvPicPr>
+          <p:nvPr/>
+        </p:nvPicPr>
+        <p:blipFill>
+          <a:blip r:embed="rId6">
+            <a:extLst>
+              <a:ext uri="{28A0092B-C50C-407E-A947-70E740481C1C}">
+                <a14:useLocalDpi xmlns:a14="http://schemas.microsoft.com/office/drawing/2010/main" val="0"/>
+              </a:ext>
+            </a:extLst>
+          </a:blip>
+          <a:srcRect/>
+          <a:stretch/>
+        </p:blipFill>
+        <p:spPr>
+          <a:xfrm>
+            <a:off x="7589712" y="2328862"/>
+            <a:ext cx="1937008" cy="1943100"/>
+          </a:xfrm>
+          <a:prstGeom prst="rect">
+            <a:avLst/>
+          </a:prstGeom>
+          <a:ln>
+            <a:solidFill>
+              <a:schemeClr val="tx1"/>
+            </a:solidFill>
+          </a:ln>
         </p:spPr>
       </p:pic>
     </p:spTree>
     <p:extLst>
       <p:ext uri="{BB962C8B-B14F-4D97-AF65-F5344CB8AC3E}">
-        <p14:creationId xmlns:p14="http://schemas.microsoft.com/office/powerpoint/2010/main" val="4042377062"/>
+        <p14:creationId xmlns:p14="http://schemas.microsoft.com/office/powerpoint/2010/main" val="4241673194"/>
       </p:ext>
     </p:extLst>
   </p:cSld>
@@ -3854,12 +4166,47 @@
           <a:chExt cx="0" cy="0"/>
         </a:xfrm>
       </p:grpSpPr>
+      <p:sp>
+        <p:nvSpPr>
+          <p:cNvPr id="46" name="TextBox 45">
+            <a:extLst>
+              <a:ext uri="{FF2B5EF4-FFF2-40B4-BE49-F238E27FC236}">
+                <a16:creationId xmlns:a16="http://schemas.microsoft.com/office/drawing/2014/main" id="{3AEF0BC5-9933-E4BC-E5C1-0C99FA02AC60}"/>
+              </a:ext>
+            </a:extLst>
+          </p:cNvPr>
+          <p:cNvSpPr txBox="1"/>
+          <p:nvPr/>
+        </p:nvSpPr>
+        <p:spPr>
+          <a:xfrm>
+            <a:off x="1195386" y="1009650"/>
+            <a:ext cx="971550" cy="4524315"/>
+          </a:xfrm>
+          <a:prstGeom prst="rect">
+            <a:avLst/>
+          </a:prstGeom>
+          <a:noFill/>
+        </p:spPr>
+        <p:txBody>
+          <a:bodyPr wrap="square" rtlCol="0">
+            <a:spAutoFit/>
+          </a:bodyPr>
+          <a:lstStyle/>
+          <a:p>
+            <a:r>
+              <a:rPr lang="en-GB" sz="9600" dirty="0"/>
+              <a:t>6x6</a:t>
+            </a:r>
+          </a:p>
+        </p:txBody>
+      </p:sp>
       <p:pic>
         <p:nvPicPr>
-          <p:cNvPr id="5" name="Picture 4">
-            <a:extLst>
-              <a:ext uri="{FF2B5EF4-FFF2-40B4-BE49-F238E27FC236}">
-                <a16:creationId xmlns:a16="http://schemas.microsoft.com/office/drawing/2014/main" id="{44EA35F2-BFEA-40F6-E58A-A77A85DC13DD}"/>
+          <p:cNvPr id="52" name="Picture 51">
+            <a:extLst>
+              <a:ext uri="{FF2B5EF4-FFF2-40B4-BE49-F238E27FC236}">
+                <a16:creationId xmlns:a16="http://schemas.microsoft.com/office/drawing/2014/main" id="{DF960861-F783-649C-9F13-B35B9CF77DDE}"/>
               </a:ext>
             </a:extLst>
           </p:cNvPr>
@@ -3869,25 +4216,195 @@
           <p:nvPr/>
         </p:nvPicPr>
         <p:blipFill>
-          <a:blip r:embed="rId2"/>
-          <a:stretch>
-            <a:fillRect/>
-          </a:stretch>
+          <a:blip r:embed="rId2">
+            <a:extLst>
+              <a:ext uri="{28A0092B-C50C-407E-A947-70E740481C1C}">
+                <a14:useLocalDpi xmlns:a14="http://schemas.microsoft.com/office/drawing/2010/main" val="0"/>
+              </a:ext>
+            </a:extLst>
+          </a:blip>
+          <a:srcRect/>
+          <a:stretch/>
         </p:blipFill>
         <p:spPr>
           <a:xfrm>
-            <a:off x="765348" y="1340939"/>
-            <a:ext cx="10661304" cy="4176122"/>
+            <a:off x="2865308" y="1119187"/>
+            <a:ext cx="1937008" cy="1943100"/>
           </a:xfrm>
           <a:prstGeom prst="rect">
             <a:avLst/>
           </a:prstGeom>
+          <a:ln>
+            <a:solidFill>
+              <a:schemeClr val="tx1"/>
+            </a:solidFill>
+          </a:ln>
+        </p:spPr>
+      </p:pic>
+      <p:pic>
+        <p:nvPicPr>
+          <p:cNvPr id="54" name="Picture 53">
+            <a:extLst>
+              <a:ext uri="{FF2B5EF4-FFF2-40B4-BE49-F238E27FC236}">
+                <a16:creationId xmlns:a16="http://schemas.microsoft.com/office/drawing/2014/main" id="{75176B2D-2F55-938B-3409-38EB719D2459}"/>
+              </a:ext>
+            </a:extLst>
+          </p:cNvPr>
+          <p:cNvPicPr>
+            <a:picLocks noChangeAspect="1"/>
+          </p:cNvPicPr>
+          <p:nvPr/>
+        </p:nvPicPr>
+        <p:blipFill>
+          <a:blip r:embed="rId3">
+            <a:extLst>
+              <a:ext uri="{28A0092B-C50C-407E-A947-70E740481C1C}">
+                <a14:useLocalDpi xmlns:a14="http://schemas.microsoft.com/office/drawing/2010/main" val="0"/>
+              </a:ext>
+            </a:extLst>
+          </a:blip>
+          <a:srcRect/>
+          <a:stretch/>
+        </p:blipFill>
+        <p:spPr>
+          <a:xfrm>
+            <a:off x="5227510" y="1119187"/>
+            <a:ext cx="1937008" cy="1943100"/>
+          </a:xfrm>
+          <a:prstGeom prst="rect">
+            <a:avLst/>
+          </a:prstGeom>
+          <a:ln>
+            <a:solidFill>
+              <a:schemeClr val="tx1"/>
+            </a:solidFill>
+          </a:ln>
+        </p:spPr>
+      </p:pic>
+      <p:pic>
+        <p:nvPicPr>
+          <p:cNvPr id="56" name="Picture 55">
+            <a:extLst>
+              <a:ext uri="{FF2B5EF4-FFF2-40B4-BE49-F238E27FC236}">
+                <a16:creationId xmlns:a16="http://schemas.microsoft.com/office/drawing/2014/main" id="{CD4302E1-A82A-66CD-E0A7-3871FEF261AE}"/>
+              </a:ext>
+            </a:extLst>
+          </p:cNvPr>
+          <p:cNvPicPr>
+            <a:picLocks noChangeAspect="1"/>
+          </p:cNvPicPr>
+          <p:nvPr/>
+        </p:nvPicPr>
+        <p:blipFill>
+          <a:blip r:embed="rId4">
+            <a:extLst>
+              <a:ext uri="{28A0092B-C50C-407E-A947-70E740481C1C}">
+                <a14:useLocalDpi xmlns:a14="http://schemas.microsoft.com/office/drawing/2010/main" val="0"/>
+              </a:ext>
+            </a:extLst>
+          </a:blip>
+          <a:srcRect/>
+          <a:stretch/>
+        </p:blipFill>
+        <p:spPr>
+          <a:xfrm>
+            <a:off x="2865308" y="3538537"/>
+            <a:ext cx="1937008" cy="1943100"/>
+          </a:xfrm>
+          <a:prstGeom prst="rect">
+            <a:avLst/>
+          </a:prstGeom>
+          <a:ln>
+            <a:solidFill>
+              <a:schemeClr val="tx1"/>
+            </a:solidFill>
+          </a:ln>
+        </p:spPr>
+      </p:pic>
+      <p:pic>
+        <p:nvPicPr>
+          <p:cNvPr id="58" name="Picture 57">
+            <a:extLst>
+              <a:ext uri="{FF2B5EF4-FFF2-40B4-BE49-F238E27FC236}">
+                <a16:creationId xmlns:a16="http://schemas.microsoft.com/office/drawing/2014/main" id="{BDE989C3-8AB9-1F24-8195-731F8392A17F}"/>
+              </a:ext>
+            </a:extLst>
+          </p:cNvPr>
+          <p:cNvPicPr>
+            <a:picLocks noChangeAspect="1"/>
+          </p:cNvPicPr>
+          <p:nvPr/>
+        </p:nvPicPr>
+        <p:blipFill>
+          <a:blip r:embed="rId5">
+            <a:extLst>
+              <a:ext uri="{28A0092B-C50C-407E-A947-70E740481C1C}">
+                <a14:useLocalDpi xmlns:a14="http://schemas.microsoft.com/office/drawing/2010/main" val="0"/>
+              </a:ext>
+            </a:extLst>
+          </a:blip>
+          <a:srcRect/>
+          <a:stretch/>
+        </p:blipFill>
+        <p:spPr>
+          <a:xfrm>
+            <a:off x="5227510" y="3538537"/>
+            <a:ext cx="1937008" cy="1943100"/>
+          </a:xfrm>
+          <a:prstGeom prst="rect">
+            <a:avLst/>
+          </a:prstGeom>
+          <a:ln>
+            <a:solidFill>
+              <a:schemeClr val="tx1"/>
+            </a:solidFill>
+          </a:ln>
+        </p:spPr>
+      </p:pic>
+      <p:pic>
+        <p:nvPicPr>
+          <p:cNvPr id="60" name="Picture 59">
+            <a:extLst>
+              <a:ext uri="{FF2B5EF4-FFF2-40B4-BE49-F238E27FC236}">
+                <a16:creationId xmlns:a16="http://schemas.microsoft.com/office/drawing/2014/main" id="{720D58E4-93BB-AE7F-57F7-B23E0AE346CA}"/>
+              </a:ext>
+            </a:extLst>
+          </p:cNvPr>
+          <p:cNvPicPr>
+            <a:picLocks noChangeAspect="1"/>
+          </p:cNvPicPr>
+          <p:nvPr/>
+        </p:nvPicPr>
+        <p:blipFill>
+          <a:blip r:embed="rId6">
+            <a:extLst>
+              <a:ext uri="{28A0092B-C50C-407E-A947-70E740481C1C}">
+                <a14:useLocalDpi xmlns:a14="http://schemas.microsoft.com/office/drawing/2010/main" val="0"/>
+              </a:ext>
+            </a:extLst>
+          </a:blip>
+          <a:srcRect/>
+          <a:stretch/>
+        </p:blipFill>
+        <p:spPr>
+          <a:xfrm>
+            <a:off x="7589712" y="2328862"/>
+            <a:ext cx="1937008" cy="1943100"/>
+          </a:xfrm>
+          <a:prstGeom prst="rect">
+            <a:avLst/>
+          </a:prstGeom>
+          <a:ln>
+            <a:solidFill>
+              <a:schemeClr val="tx1"/>
+            </a:solidFill>
+          </a:ln>
         </p:spPr>
       </p:pic>
     </p:spTree>
     <p:extLst>
       <p:ext uri="{BB962C8B-B14F-4D97-AF65-F5344CB8AC3E}">
-        <p14:creationId xmlns:p14="http://schemas.microsoft.com/office/powerpoint/2010/main" val="4187210914"/>
+        <p14:creationId xmlns:p14="http://schemas.microsoft.com/office/powerpoint/2010/main" val="3330965192"/>
       </p:ext>
     </p:extLst>
   </p:cSld>
@@ -3914,12 +4431,47 @@
           <a:chExt cx="0" cy="0"/>
         </a:xfrm>
       </p:grpSpPr>
+      <p:sp>
+        <p:nvSpPr>
+          <p:cNvPr id="46" name="TextBox 45">
+            <a:extLst>
+              <a:ext uri="{FF2B5EF4-FFF2-40B4-BE49-F238E27FC236}">
+                <a16:creationId xmlns:a16="http://schemas.microsoft.com/office/drawing/2014/main" id="{3AEF0BC5-9933-E4BC-E5C1-0C99FA02AC60}"/>
+              </a:ext>
+            </a:extLst>
+          </p:cNvPr>
+          <p:cNvSpPr txBox="1"/>
+          <p:nvPr/>
+        </p:nvSpPr>
+        <p:spPr>
+          <a:xfrm>
+            <a:off x="1195386" y="1009650"/>
+            <a:ext cx="971550" cy="4524315"/>
+          </a:xfrm>
+          <a:prstGeom prst="rect">
+            <a:avLst/>
+          </a:prstGeom>
+          <a:noFill/>
+        </p:spPr>
+        <p:txBody>
+          <a:bodyPr wrap="square" rtlCol="0">
+            <a:spAutoFit/>
+          </a:bodyPr>
+          <a:lstStyle/>
+          <a:p>
+            <a:r>
+              <a:rPr lang="en-GB" sz="9600" dirty="0"/>
+              <a:t>7x7</a:t>
+            </a:r>
+          </a:p>
+        </p:txBody>
+      </p:sp>
       <p:pic>
         <p:nvPicPr>
-          <p:cNvPr id="5" name="Picture 4">
-            <a:extLst>
-              <a:ext uri="{FF2B5EF4-FFF2-40B4-BE49-F238E27FC236}">
-                <a16:creationId xmlns:a16="http://schemas.microsoft.com/office/drawing/2014/main" id="{DA013CA7-5BCE-0461-6584-CA72F498719A}"/>
+          <p:cNvPr id="52" name="Picture 51">
+            <a:extLst>
+              <a:ext uri="{FF2B5EF4-FFF2-40B4-BE49-F238E27FC236}">
+                <a16:creationId xmlns:a16="http://schemas.microsoft.com/office/drawing/2014/main" id="{DF960861-F783-649C-9F13-B35B9CF77DDE}"/>
               </a:ext>
             </a:extLst>
           </p:cNvPr>
@@ -3929,595 +4481,195 @@
           <p:nvPr/>
         </p:nvPicPr>
         <p:blipFill>
-          <a:blip r:embed="rId2"/>
-          <a:stretch>
-            <a:fillRect/>
-          </a:stretch>
+          <a:blip r:embed="rId2">
+            <a:extLst>
+              <a:ext uri="{28A0092B-C50C-407E-A947-70E740481C1C}">
+                <a14:useLocalDpi xmlns:a14="http://schemas.microsoft.com/office/drawing/2010/main" val="0"/>
+              </a:ext>
+            </a:extLst>
+          </a:blip>
+          <a:srcRect/>
+          <a:stretch/>
         </p:blipFill>
         <p:spPr>
           <a:xfrm>
-            <a:off x="753917" y="1356180"/>
-            <a:ext cx="10684166" cy="4145639"/>
+            <a:off x="2865308" y="1119187"/>
+            <a:ext cx="1937008" cy="1943100"/>
           </a:xfrm>
           <a:prstGeom prst="rect">
             <a:avLst/>
           </a:prstGeom>
+          <a:ln>
+            <a:solidFill>
+              <a:schemeClr val="tx1"/>
+            </a:solidFill>
+          </a:ln>
+        </p:spPr>
+      </p:pic>
+      <p:pic>
+        <p:nvPicPr>
+          <p:cNvPr id="54" name="Picture 53">
+            <a:extLst>
+              <a:ext uri="{FF2B5EF4-FFF2-40B4-BE49-F238E27FC236}">
+                <a16:creationId xmlns:a16="http://schemas.microsoft.com/office/drawing/2014/main" id="{75176B2D-2F55-938B-3409-38EB719D2459}"/>
+              </a:ext>
+            </a:extLst>
+          </p:cNvPr>
+          <p:cNvPicPr>
+            <a:picLocks noChangeAspect="1"/>
+          </p:cNvPicPr>
+          <p:nvPr/>
+        </p:nvPicPr>
+        <p:blipFill>
+          <a:blip r:embed="rId3">
+            <a:extLst>
+              <a:ext uri="{28A0092B-C50C-407E-A947-70E740481C1C}">
+                <a14:useLocalDpi xmlns:a14="http://schemas.microsoft.com/office/drawing/2010/main" val="0"/>
+              </a:ext>
+            </a:extLst>
+          </a:blip>
+          <a:srcRect/>
+          <a:stretch/>
+        </p:blipFill>
+        <p:spPr>
+          <a:xfrm>
+            <a:off x="5227510" y="1119187"/>
+            <a:ext cx="1937008" cy="1943100"/>
+          </a:xfrm>
+          <a:prstGeom prst="rect">
+            <a:avLst/>
+          </a:prstGeom>
+          <a:ln>
+            <a:solidFill>
+              <a:schemeClr val="tx1"/>
+            </a:solidFill>
+          </a:ln>
+        </p:spPr>
+      </p:pic>
+      <p:pic>
+        <p:nvPicPr>
+          <p:cNvPr id="56" name="Picture 55">
+            <a:extLst>
+              <a:ext uri="{FF2B5EF4-FFF2-40B4-BE49-F238E27FC236}">
+                <a16:creationId xmlns:a16="http://schemas.microsoft.com/office/drawing/2014/main" id="{CD4302E1-A82A-66CD-E0A7-3871FEF261AE}"/>
+              </a:ext>
+            </a:extLst>
+          </p:cNvPr>
+          <p:cNvPicPr>
+            <a:picLocks noChangeAspect="1"/>
+          </p:cNvPicPr>
+          <p:nvPr/>
+        </p:nvPicPr>
+        <p:blipFill>
+          <a:blip r:embed="rId4">
+            <a:extLst>
+              <a:ext uri="{28A0092B-C50C-407E-A947-70E740481C1C}">
+                <a14:useLocalDpi xmlns:a14="http://schemas.microsoft.com/office/drawing/2010/main" val="0"/>
+              </a:ext>
+            </a:extLst>
+          </a:blip>
+          <a:srcRect/>
+          <a:stretch/>
+        </p:blipFill>
+        <p:spPr>
+          <a:xfrm>
+            <a:off x="2865308" y="3538537"/>
+            <a:ext cx="1937008" cy="1943100"/>
+          </a:xfrm>
+          <a:prstGeom prst="rect">
+            <a:avLst/>
+          </a:prstGeom>
+          <a:ln>
+            <a:solidFill>
+              <a:schemeClr val="tx1"/>
+            </a:solidFill>
+          </a:ln>
+        </p:spPr>
+      </p:pic>
+      <p:pic>
+        <p:nvPicPr>
+          <p:cNvPr id="58" name="Picture 57">
+            <a:extLst>
+              <a:ext uri="{FF2B5EF4-FFF2-40B4-BE49-F238E27FC236}">
+                <a16:creationId xmlns:a16="http://schemas.microsoft.com/office/drawing/2014/main" id="{BDE989C3-8AB9-1F24-8195-731F8392A17F}"/>
+              </a:ext>
+            </a:extLst>
+          </p:cNvPr>
+          <p:cNvPicPr>
+            <a:picLocks noChangeAspect="1"/>
+          </p:cNvPicPr>
+          <p:nvPr/>
+        </p:nvPicPr>
+        <p:blipFill>
+          <a:blip r:embed="rId5">
+            <a:extLst>
+              <a:ext uri="{28A0092B-C50C-407E-A947-70E740481C1C}">
+                <a14:useLocalDpi xmlns:a14="http://schemas.microsoft.com/office/drawing/2010/main" val="0"/>
+              </a:ext>
+            </a:extLst>
+          </a:blip>
+          <a:srcRect/>
+          <a:stretch/>
+        </p:blipFill>
+        <p:spPr>
+          <a:xfrm>
+            <a:off x="5227510" y="3538537"/>
+            <a:ext cx="1937008" cy="1943100"/>
+          </a:xfrm>
+          <a:prstGeom prst="rect">
+            <a:avLst/>
+          </a:prstGeom>
+          <a:ln>
+            <a:solidFill>
+              <a:schemeClr val="tx1"/>
+            </a:solidFill>
+          </a:ln>
+        </p:spPr>
+      </p:pic>
+      <p:pic>
+        <p:nvPicPr>
+          <p:cNvPr id="60" name="Picture 59">
+            <a:extLst>
+              <a:ext uri="{FF2B5EF4-FFF2-40B4-BE49-F238E27FC236}">
+                <a16:creationId xmlns:a16="http://schemas.microsoft.com/office/drawing/2014/main" id="{720D58E4-93BB-AE7F-57F7-B23E0AE346CA}"/>
+              </a:ext>
+            </a:extLst>
+          </p:cNvPr>
+          <p:cNvPicPr>
+            <a:picLocks noChangeAspect="1"/>
+          </p:cNvPicPr>
+          <p:nvPr/>
+        </p:nvPicPr>
+        <p:blipFill>
+          <a:blip r:embed="rId6">
+            <a:extLst>
+              <a:ext uri="{28A0092B-C50C-407E-A947-70E740481C1C}">
+                <a14:useLocalDpi xmlns:a14="http://schemas.microsoft.com/office/drawing/2010/main" val="0"/>
+              </a:ext>
+            </a:extLst>
+          </a:blip>
+          <a:srcRect/>
+          <a:stretch/>
+        </p:blipFill>
+        <p:spPr>
+          <a:xfrm>
+            <a:off x="7589712" y="2328862"/>
+            <a:ext cx="1937008" cy="1943100"/>
+          </a:xfrm>
+          <a:prstGeom prst="rect">
+            <a:avLst/>
+          </a:prstGeom>
+          <a:ln>
+            <a:solidFill>
+              <a:schemeClr val="tx1"/>
+            </a:solidFill>
+          </a:ln>
         </p:spPr>
       </p:pic>
     </p:spTree>
     <p:extLst>
       <p:ext uri="{BB962C8B-B14F-4D97-AF65-F5344CB8AC3E}">
-        <p14:creationId xmlns:p14="http://schemas.microsoft.com/office/powerpoint/2010/main" val="2286560551"/>
-      </p:ext>
-    </p:extLst>
-  </p:cSld>
-  <p:clrMapOvr>
-    <a:masterClrMapping/>
-  </p:clrMapOvr>
-</p:sld>
-</file>
-
-<file path=ppt/slides/slide5.xml><?xml version="1.0" encoding="utf-8"?>
-<p:sld xmlns:a="http://schemas.openxmlformats.org/drawingml/2006/main" xmlns:r="http://schemas.openxmlformats.org/officeDocument/2006/relationships" xmlns:p="http://schemas.openxmlformats.org/presentationml/2006/main">
-  <p:cSld>
-    <p:spTree>
-      <p:nvGrpSpPr>
-        <p:cNvPr id="1" name=""/>
-        <p:cNvGrpSpPr/>
-        <p:nvPr/>
-      </p:nvGrpSpPr>
-      <p:grpSpPr>
-        <a:xfrm>
-          <a:off x="0" y="0"/>
-          <a:ext cx="0" cy="0"/>
-          <a:chOff x="0" y="0"/>
-          <a:chExt cx="0" cy="0"/>
-        </a:xfrm>
-      </p:grpSpPr>
-      <p:grpSp>
-        <p:nvGrpSpPr>
-          <p:cNvPr id="2" name="Group 1">
-            <a:extLst>
-              <a:ext uri="{FF2B5EF4-FFF2-40B4-BE49-F238E27FC236}">
-                <a16:creationId xmlns:a16="http://schemas.microsoft.com/office/drawing/2014/main" id="{CBE7CC90-5352-2D21-CF10-E0C3E2A781F4}"/>
-              </a:ext>
-            </a:extLst>
-          </p:cNvPr>
-          <p:cNvGrpSpPr/>
-          <p:nvPr/>
-        </p:nvGrpSpPr>
-        <p:grpSpPr>
-          <a:xfrm>
-            <a:off x="2740029" y="1128179"/>
-            <a:ext cx="2160000" cy="2160000"/>
-            <a:chOff x="2740029" y="1128179"/>
-            <a:chExt cx="2160000" cy="2160000"/>
-          </a:xfrm>
-        </p:grpSpPr>
-        <p:sp>
-          <p:nvSpPr>
-            <p:cNvPr id="21" name="Rectangle 20">
-              <a:extLst>
-                <a:ext uri="{FF2B5EF4-FFF2-40B4-BE49-F238E27FC236}">
-                  <a16:creationId xmlns:a16="http://schemas.microsoft.com/office/drawing/2014/main" id="{15E5AD0C-4FB3-7CE3-CE18-00129B32F88F}"/>
-                </a:ext>
-              </a:extLst>
-            </p:cNvPr>
-            <p:cNvSpPr/>
-            <p:nvPr/>
-          </p:nvSpPr>
-          <p:spPr>
-            <a:xfrm>
-              <a:off x="2740029" y="1128179"/>
-              <a:ext cx="2160000" cy="2160000"/>
-            </a:xfrm>
-            <a:prstGeom prst="rect">
-              <a:avLst/>
-            </a:prstGeom>
-            <a:solidFill>
-              <a:schemeClr val="bg1"/>
-            </a:solidFill>
-            <a:ln>
-              <a:solidFill>
-                <a:schemeClr val="tx1"/>
-              </a:solidFill>
-            </a:ln>
-          </p:spPr>
-          <p:style>
-            <a:lnRef idx="2">
-              <a:schemeClr val="accent1">
-                <a:shade val="50000"/>
-              </a:schemeClr>
-            </a:lnRef>
-            <a:fillRef idx="1">
-              <a:schemeClr val="accent1"/>
-            </a:fillRef>
-            <a:effectRef idx="0">
-              <a:schemeClr val="accent1"/>
-            </a:effectRef>
-            <a:fontRef idx="minor">
-              <a:schemeClr val="lt1"/>
-            </a:fontRef>
-          </p:style>
-          <p:txBody>
-            <a:bodyPr rtlCol="0" anchor="ctr"/>
-            <a:lstStyle/>
-            <a:p>
-              <a:pPr algn="ctr"/>
-              <a:endParaRPr lang="en-GB">
-                <a:solidFill>
-                  <a:schemeClr val="bg1"/>
-                </a:solidFill>
-              </a:endParaRPr>
-            </a:p>
-          </p:txBody>
-        </p:sp>
-        <p:pic>
-          <p:nvPicPr>
-            <p:cNvPr id="5" name="Picture 4">
-              <a:extLst>
-                <a:ext uri="{FF2B5EF4-FFF2-40B4-BE49-F238E27FC236}">
-                  <a16:creationId xmlns:a16="http://schemas.microsoft.com/office/drawing/2014/main" id="{3EB134F0-4463-580B-280B-9DD747AD5E04}"/>
-                </a:ext>
-              </a:extLst>
-            </p:cNvPr>
-            <p:cNvPicPr>
-              <a:picLocks noChangeAspect="1"/>
-            </p:cNvPicPr>
-            <p:nvPr/>
-          </p:nvPicPr>
-          <p:blipFill rotWithShape="1">
-            <a:blip r:embed="rId2"/>
-            <a:srcRect l="2892" t="6630" r="79581" b="57069"/>
-            <a:stretch/>
-          </p:blipFill>
-          <p:spPr>
-            <a:xfrm>
-              <a:off x="2914179" y="1303880"/>
-              <a:ext cx="1811699" cy="1808598"/>
-            </a:xfrm>
-            <a:prstGeom prst="rect">
-              <a:avLst/>
-            </a:prstGeom>
-          </p:spPr>
-        </p:pic>
-      </p:grpSp>
-      <p:grpSp>
-        <p:nvGrpSpPr>
-          <p:cNvPr id="3" name="Group 2">
-            <a:extLst>
-              <a:ext uri="{FF2B5EF4-FFF2-40B4-BE49-F238E27FC236}">
-                <a16:creationId xmlns:a16="http://schemas.microsoft.com/office/drawing/2014/main" id="{6BF6F363-BD64-CA74-3211-D310DC11363E}"/>
-              </a:ext>
-            </a:extLst>
-          </p:cNvPr>
-          <p:cNvGrpSpPr/>
-          <p:nvPr/>
-        </p:nvGrpSpPr>
-        <p:grpSpPr>
-          <a:xfrm>
-            <a:off x="5236041" y="1128179"/>
-            <a:ext cx="2160000" cy="2160000"/>
-            <a:chOff x="5335629" y="1128179"/>
-            <a:chExt cx="2160000" cy="2160000"/>
-          </a:xfrm>
-        </p:grpSpPr>
-        <p:sp>
-          <p:nvSpPr>
-            <p:cNvPr id="9" name="Rectangle 8">
-              <a:extLst>
-                <a:ext uri="{FF2B5EF4-FFF2-40B4-BE49-F238E27FC236}">
-                  <a16:creationId xmlns:a16="http://schemas.microsoft.com/office/drawing/2014/main" id="{3A04360F-B878-4A92-9A47-404C300CFAB3}"/>
-                </a:ext>
-              </a:extLst>
-            </p:cNvPr>
-            <p:cNvSpPr/>
-            <p:nvPr/>
-          </p:nvSpPr>
-          <p:spPr>
-            <a:xfrm>
-              <a:off x="5335629" y="1128179"/>
-              <a:ext cx="2160000" cy="2160000"/>
-            </a:xfrm>
-            <a:prstGeom prst="rect">
-              <a:avLst/>
-            </a:prstGeom>
-            <a:solidFill>
-              <a:schemeClr val="bg1"/>
-            </a:solidFill>
-            <a:ln>
-              <a:solidFill>
-                <a:schemeClr val="tx1"/>
-              </a:solidFill>
-            </a:ln>
-          </p:spPr>
-          <p:style>
-            <a:lnRef idx="2">
-              <a:schemeClr val="accent1">
-                <a:shade val="50000"/>
-              </a:schemeClr>
-            </a:lnRef>
-            <a:fillRef idx="1">
-              <a:schemeClr val="accent1"/>
-            </a:fillRef>
-            <a:effectRef idx="0">
-              <a:schemeClr val="accent1"/>
-            </a:effectRef>
-            <a:fontRef idx="minor">
-              <a:schemeClr val="lt1"/>
-            </a:fontRef>
-          </p:style>
-          <p:txBody>
-            <a:bodyPr rtlCol="0" anchor="ctr"/>
-            <a:lstStyle/>
-            <a:p>
-              <a:pPr algn="ctr"/>
-              <a:endParaRPr lang="en-GB">
-                <a:solidFill>
-                  <a:schemeClr val="bg1"/>
-                </a:solidFill>
-              </a:endParaRPr>
-            </a:p>
-          </p:txBody>
-        </p:sp>
-        <p:pic>
-          <p:nvPicPr>
-            <p:cNvPr id="10" name="Picture 9">
-              <a:extLst>
-                <a:ext uri="{FF2B5EF4-FFF2-40B4-BE49-F238E27FC236}">
-                  <a16:creationId xmlns:a16="http://schemas.microsoft.com/office/drawing/2014/main" id="{3FBDE7C3-019B-302F-9120-FAD64F738756}"/>
-                </a:ext>
-              </a:extLst>
-            </p:cNvPr>
-            <p:cNvPicPr>
-              <a:picLocks noChangeAspect="1"/>
-            </p:cNvPicPr>
-            <p:nvPr/>
-          </p:nvPicPr>
-          <p:blipFill rotWithShape="1">
-            <a:blip r:embed="rId2"/>
-            <a:srcRect l="35030" t="6719" r="47442" b="56980"/>
-            <a:stretch/>
-          </p:blipFill>
-          <p:spPr>
-            <a:xfrm>
-              <a:off x="5509779" y="1303880"/>
-              <a:ext cx="1811699" cy="1808598"/>
-            </a:xfrm>
-            <a:prstGeom prst="rect">
-              <a:avLst/>
-            </a:prstGeom>
-          </p:spPr>
-        </p:pic>
-      </p:grpSp>
-      <p:grpSp>
-        <p:nvGrpSpPr>
-          <p:cNvPr id="11" name="Group 10">
-            <a:extLst>
-              <a:ext uri="{FF2B5EF4-FFF2-40B4-BE49-F238E27FC236}">
-                <a16:creationId xmlns:a16="http://schemas.microsoft.com/office/drawing/2014/main" id="{061ABE9C-349E-AE02-48C8-6EC113C8FAB5}"/>
-              </a:ext>
-            </a:extLst>
-          </p:cNvPr>
-          <p:cNvGrpSpPr/>
-          <p:nvPr/>
-        </p:nvGrpSpPr>
-        <p:grpSpPr>
-          <a:xfrm>
-            <a:off x="2740029" y="3569821"/>
-            <a:ext cx="2160000" cy="2160000"/>
-            <a:chOff x="2911378" y="3546760"/>
-            <a:chExt cx="2160000" cy="2160000"/>
-          </a:xfrm>
-        </p:grpSpPr>
-        <p:sp>
-          <p:nvSpPr>
-            <p:cNvPr id="12" name="Rectangle 11">
-              <a:extLst>
-                <a:ext uri="{FF2B5EF4-FFF2-40B4-BE49-F238E27FC236}">
-                  <a16:creationId xmlns:a16="http://schemas.microsoft.com/office/drawing/2014/main" id="{C828243C-0634-8762-148D-6BAA847AC6C2}"/>
-                </a:ext>
-              </a:extLst>
-            </p:cNvPr>
-            <p:cNvSpPr/>
-            <p:nvPr/>
-          </p:nvSpPr>
-          <p:spPr>
-            <a:xfrm>
-              <a:off x="2911378" y="3546760"/>
-              <a:ext cx="2160000" cy="2160000"/>
-            </a:xfrm>
-            <a:prstGeom prst="rect">
-              <a:avLst/>
-            </a:prstGeom>
-            <a:solidFill>
-              <a:schemeClr val="bg1"/>
-            </a:solidFill>
-            <a:ln>
-              <a:solidFill>
-                <a:schemeClr val="tx1"/>
-              </a:solidFill>
-            </a:ln>
-          </p:spPr>
-          <p:style>
-            <a:lnRef idx="2">
-              <a:schemeClr val="accent1">
-                <a:shade val="50000"/>
-              </a:schemeClr>
-            </a:lnRef>
-            <a:fillRef idx="1">
-              <a:schemeClr val="accent1"/>
-            </a:fillRef>
-            <a:effectRef idx="0">
-              <a:schemeClr val="accent1"/>
-            </a:effectRef>
-            <a:fontRef idx="minor">
-              <a:schemeClr val="lt1"/>
-            </a:fontRef>
-          </p:style>
-          <p:txBody>
-            <a:bodyPr rtlCol="0" anchor="ctr"/>
-            <a:lstStyle/>
-            <a:p>
-              <a:pPr algn="ctr"/>
-              <a:endParaRPr lang="en-GB">
-                <a:solidFill>
-                  <a:schemeClr val="bg1"/>
-                </a:solidFill>
-              </a:endParaRPr>
-            </a:p>
-          </p:txBody>
-        </p:sp>
-        <p:pic>
-          <p:nvPicPr>
-            <p:cNvPr id="13" name="Picture 12">
-              <a:extLst>
-                <a:ext uri="{FF2B5EF4-FFF2-40B4-BE49-F238E27FC236}">
-                  <a16:creationId xmlns:a16="http://schemas.microsoft.com/office/drawing/2014/main" id="{61F92F74-B048-80FD-AA1C-FDF3F5D9EAEB}"/>
-                </a:ext>
-              </a:extLst>
-            </p:cNvPr>
-            <p:cNvPicPr>
-              <a:picLocks noChangeAspect="1"/>
-            </p:cNvPicPr>
-            <p:nvPr/>
-          </p:nvPicPr>
-          <p:blipFill rotWithShape="1">
-            <a:blip r:embed="rId2"/>
-            <a:srcRect l="67259" t="6524" r="15213" b="57178"/>
-            <a:stretch/>
-          </p:blipFill>
-          <p:spPr>
-            <a:xfrm>
-              <a:off x="3085528" y="3722461"/>
-              <a:ext cx="1811699" cy="1808598"/>
-            </a:xfrm>
-            <a:prstGeom prst="rect">
-              <a:avLst/>
-            </a:prstGeom>
-          </p:spPr>
-        </p:pic>
-      </p:grpSp>
-      <p:grpSp>
-        <p:nvGrpSpPr>
-          <p:cNvPr id="14" name="Group 13">
-            <a:extLst>
-              <a:ext uri="{FF2B5EF4-FFF2-40B4-BE49-F238E27FC236}">
-                <a16:creationId xmlns:a16="http://schemas.microsoft.com/office/drawing/2014/main" id="{BFEF5FE4-BF65-6C8A-1406-F3ECD4F63BBE}"/>
-              </a:ext>
-            </a:extLst>
-          </p:cNvPr>
-          <p:cNvGrpSpPr/>
-          <p:nvPr/>
-        </p:nvGrpSpPr>
-        <p:grpSpPr>
-          <a:xfrm>
-            <a:off x="5236041" y="3569821"/>
-            <a:ext cx="2160000" cy="2160000"/>
-            <a:chOff x="5164281" y="3546760"/>
-            <a:chExt cx="2160000" cy="2160000"/>
-          </a:xfrm>
-        </p:grpSpPr>
-        <p:sp>
-          <p:nvSpPr>
-            <p:cNvPr id="15" name="Rectangle 14">
-              <a:extLst>
-                <a:ext uri="{FF2B5EF4-FFF2-40B4-BE49-F238E27FC236}">
-                  <a16:creationId xmlns:a16="http://schemas.microsoft.com/office/drawing/2014/main" id="{03BCFB0B-F23D-0B76-43D0-6AB3333F0626}"/>
-                </a:ext>
-              </a:extLst>
-            </p:cNvPr>
-            <p:cNvSpPr/>
-            <p:nvPr/>
-          </p:nvSpPr>
-          <p:spPr>
-            <a:xfrm>
-              <a:off x="5164281" y="3546760"/>
-              <a:ext cx="2160000" cy="2160000"/>
-            </a:xfrm>
-            <a:prstGeom prst="rect">
-              <a:avLst/>
-            </a:prstGeom>
-            <a:solidFill>
-              <a:schemeClr val="bg1"/>
-            </a:solidFill>
-            <a:ln>
-              <a:solidFill>
-                <a:schemeClr val="tx1"/>
-              </a:solidFill>
-            </a:ln>
-          </p:spPr>
-          <p:style>
-            <a:lnRef idx="2">
-              <a:schemeClr val="accent1">
-                <a:shade val="50000"/>
-              </a:schemeClr>
-            </a:lnRef>
-            <a:fillRef idx="1">
-              <a:schemeClr val="accent1"/>
-            </a:fillRef>
-            <a:effectRef idx="0">
-              <a:schemeClr val="accent1"/>
-            </a:effectRef>
-            <a:fontRef idx="minor">
-              <a:schemeClr val="lt1"/>
-            </a:fontRef>
-          </p:style>
-          <p:txBody>
-            <a:bodyPr rtlCol="0" anchor="ctr"/>
-            <a:lstStyle/>
-            <a:p>
-              <a:pPr algn="ctr"/>
-              <a:endParaRPr lang="en-GB">
-                <a:solidFill>
-                  <a:schemeClr val="bg1"/>
-                </a:solidFill>
-              </a:endParaRPr>
-            </a:p>
-          </p:txBody>
-        </p:sp>
-        <p:pic>
-          <p:nvPicPr>
-            <p:cNvPr id="16" name="Picture 15">
-              <a:extLst>
-                <a:ext uri="{FF2B5EF4-FFF2-40B4-BE49-F238E27FC236}">
-                  <a16:creationId xmlns:a16="http://schemas.microsoft.com/office/drawing/2014/main" id="{B4D1D353-F9FB-5F03-FC0E-9D6D35C6B6F0}"/>
-                </a:ext>
-              </a:extLst>
-            </p:cNvPr>
-            <p:cNvPicPr>
-              <a:picLocks noChangeAspect="1"/>
-            </p:cNvPicPr>
-            <p:nvPr/>
-          </p:nvPicPr>
-          <p:blipFill rotWithShape="1">
-            <a:blip r:embed="rId2"/>
-            <a:srcRect l="11015" t="49049" r="71457" b="14649"/>
-            <a:stretch/>
-          </p:blipFill>
-          <p:spPr>
-            <a:xfrm>
-              <a:off x="5338431" y="3722461"/>
-              <a:ext cx="1811699" cy="1808598"/>
-            </a:xfrm>
-            <a:prstGeom prst="rect">
-              <a:avLst/>
-            </a:prstGeom>
-          </p:spPr>
-        </p:pic>
-      </p:grpSp>
-      <p:grpSp>
-        <p:nvGrpSpPr>
-          <p:cNvPr id="17" name="Group 16">
-            <a:extLst>
-              <a:ext uri="{FF2B5EF4-FFF2-40B4-BE49-F238E27FC236}">
-                <a16:creationId xmlns:a16="http://schemas.microsoft.com/office/drawing/2014/main" id="{EF0816FE-3E5E-84F6-DCEF-D81D561F3CD6}"/>
-              </a:ext>
-            </a:extLst>
-          </p:cNvPr>
-          <p:cNvGrpSpPr/>
-          <p:nvPr/>
-        </p:nvGrpSpPr>
-        <p:grpSpPr>
-          <a:xfrm>
-            <a:off x="7732053" y="2349000"/>
-            <a:ext cx="2160000" cy="2160000"/>
-            <a:chOff x="8494381" y="2805426"/>
-            <a:chExt cx="2160000" cy="2160000"/>
-          </a:xfrm>
-        </p:grpSpPr>
-        <p:sp>
-          <p:nvSpPr>
-            <p:cNvPr id="18" name="Rectangle 17">
-              <a:extLst>
-                <a:ext uri="{FF2B5EF4-FFF2-40B4-BE49-F238E27FC236}">
-                  <a16:creationId xmlns:a16="http://schemas.microsoft.com/office/drawing/2014/main" id="{0031526C-66A6-E626-1006-3BB718FEF3CE}"/>
-                </a:ext>
-              </a:extLst>
-            </p:cNvPr>
-            <p:cNvSpPr/>
-            <p:nvPr/>
-          </p:nvSpPr>
-          <p:spPr>
-            <a:xfrm>
-              <a:off x="8494381" y="2805426"/>
-              <a:ext cx="2160000" cy="2160000"/>
-            </a:xfrm>
-            <a:prstGeom prst="rect">
-              <a:avLst/>
-            </a:prstGeom>
-            <a:solidFill>
-              <a:schemeClr val="bg1"/>
-            </a:solidFill>
-            <a:ln>
-              <a:solidFill>
-                <a:schemeClr val="tx1"/>
-              </a:solidFill>
-            </a:ln>
-          </p:spPr>
-          <p:style>
-            <a:lnRef idx="2">
-              <a:schemeClr val="accent1">
-                <a:shade val="50000"/>
-              </a:schemeClr>
-            </a:lnRef>
-            <a:fillRef idx="1">
-              <a:schemeClr val="accent1"/>
-            </a:fillRef>
-            <a:effectRef idx="0">
-              <a:schemeClr val="accent1"/>
-            </a:effectRef>
-            <a:fontRef idx="minor">
-              <a:schemeClr val="lt1"/>
-            </a:fontRef>
-          </p:style>
-          <p:txBody>
-            <a:bodyPr rtlCol="0" anchor="ctr"/>
-            <a:lstStyle/>
-            <a:p>
-              <a:pPr algn="ctr"/>
-              <a:endParaRPr lang="en-GB">
-                <a:solidFill>
-                  <a:schemeClr val="bg1"/>
-                </a:solidFill>
-              </a:endParaRPr>
-            </a:p>
-          </p:txBody>
-        </p:sp>
-        <p:pic>
-          <p:nvPicPr>
-            <p:cNvPr id="19" name="Picture 18">
-              <a:extLst>
-                <a:ext uri="{FF2B5EF4-FFF2-40B4-BE49-F238E27FC236}">
-                  <a16:creationId xmlns:a16="http://schemas.microsoft.com/office/drawing/2014/main" id="{AE3F6073-50C3-EE80-2E76-6D956489ED1E}"/>
-                </a:ext>
-              </a:extLst>
-            </p:cNvPr>
-            <p:cNvPicPr>
-              <a:picLocks noChangeAspect="1"/>
-            </p:cNvPicPr>
-            <p:nvPr/>
-          </p:nvPicPr>
-          <p:blipFill rotWithShape="1">
-            <a:blip r:embed="rId2"/>
-            <a:srcRect l="59233" t="48710" r="23238" b="14990"/>
-            <a:stretch/>
-          </p:blipFill>
-          <p:spPr>
-            <a:xfrm>
-              <a:off x="8668531" y="2981126"/>
-              <a:ext cx="1811699" cy="1808599"/>
-            </a:xfrm>
-            <a:prstGeom prst="rect">
-              <a:avLst/>
-            </a:prstGeom>
-          </p:spPr>
-        </p:pic>
-      </p:grpSp>
-    </p:spTree>
-    <p:extLst>
-      <p:ext uri="{BB962C8B-B14F-4D97-AF65-F5344CB8AC3E}">
-        <p14:creationId xmlns:p14="http://schemas.microsoft.com/office/powerpoint/2010/main" val="1095065913"/>
+        <p14:creationId xmlns:p14="http://schemas.microsoft.com/office/powerpoint/2010/main" val="1496000187"/>
       </p:ext>
     </p:extLst>
   </p:cSld>
